--- a/IBM SkillsBuild_Digital Financial Literacy Agent.pptx
+++ b/IBM SkillsBuild_Digital Financial Literacy Agent.pptx
@@ -24,6 +24,9 @@
     <p:sldId id="270" r:id="rId19"/>
     <p:sldId id="271" r:id="rId20"/>
     <p:sldId id="272" r:id="rId21"/>
+    <p:sldId id="273" r:id="rId22"/>
+    <p:sldId id="274" r:id="rId23"/>
+    <p:sldId id="275" r:id="rId24"/>
   </p:sldIdLst>
   <p:sldSz cx="12192000" cy="6858000"/>
   <p:notesSz cx="7559675" cy="10691813"/>
@@ -81,7 +84,7 @@
         <p:txBody>
           <a:bodyPr/>
           <a:p>
-            <a:fld id="{56977245-8F9F-47D8-AD2F-7758AB44E8FE}" type="slidenum">
+            <a:fld id="{7BB305A9-F2C0-4EA0-9448-CE1ACA57C7A5}" type="slidenum">
               <a:t>&lt;#&gt;</a:t>
             </a:fld>
           </a:p>
@@ -143,7 +146,7 @@
         <p:spPr>
           <a:xfrm>
             <a:off x="576000" y="712800"/>
-            <a:ext cx="11028960" cy="625320"/>
+            <a:ext cx="11027520" cy="625320"/>
           </a:xfrm>
           <a:prstGeom prst="rect">
             <a:avLst/>
@@ -290,7 +293,7 @@
         <p:txBody>
           <a:bodyPr/>
           <a:p>
-            <a:fld id="{1A459DCD-1254-4D10-B572-5A3CB8F920C8}" type="slidenum">
+            <a:fld id="{ECDE4D1C-2A6A-41EE-835F-78E4FB4569E7}" type="slidenum">
               <a:t>&lt;#&gt;</a:t>
             </a:fld>
           </a:p>
@@ -352,7 +355,7 @@
         <p:spPr>
           <a:xfrm>
             <a:off x="576000" y="712800"/>
-            <a:ext cx="11028960" cy="625320"/>
+            <a:ext cx="11027520" cy="625320"/>
           </a:xfrm>
           <a:prstGeom prst="rect">
             <a:avLst/>
@@ -585,7 +588,7 @@
         <p:txBody>
           <a:bodyPr/>
           <a:p>
-            <a:fld id="{18D2AD1A-B076-4281-ADD5-2C14E6750017}" type="slidenum">
+            <a:fld id="{730BF0C6-F2F2-4709-9BBD-EB5E36EF515D}" type="slidenum">
               <a:t>&lt;#&gt;</a:t>
             </a:fld>
           </a:p>
@@ -647,7 +650,7 @@
         <p:spPr>
           <a:xfrm>
             <a:off x="576000" y="712800"/>
-            <a:ext cx="11028960" cy="625320"/>
+            <a:ext cx="11027520" cy="625320"/>
           </a:xfrm>
           <a:prstGeom prst="rect">
             <a:avLst/>
@@ -966,7 +969,7 @@
         <p:txBody>
           <a:bodyPr/>
           <a:p>
-            <a:fld id="{4A21CE58-BA29-4747-BEBF-502149F0D6DA}" type="slidenum">
+            <a:fld id="{8AB9AA5B-9591-471F-BC43-44827CAB2DFF}" type="slidenum">
               <a:t>&lt;#&gt;</a:t>
             </a:fld>
           </a:p>
@@ -1071,7 +1074,7 @@
         <p:spPr>
           <a:xfrm>
             <a:off x="576000" y="712800"/>
-            <a:ext cx="11028960" cy="625320"/>
+            <a:ext cx="11027520" cy="625320"/>
           </a:xfrm>
           <a:prstGeom prst="rect">
             <a:avLst/>
@@ -1194,7 +1197,7 @@
         <p:spPr>
           <a:xfrm>
             <a:off x="576000" y="712800"/>
-            <a:ext cx="11028960" cy="625320"/>
+            <a:ext cx="11027520" cy="625320"/>
           </a:xfrm>
           <a:prstGeom prst="rect">
             <a:avLst/>
@@ -1320,7 +1323,7 @@
         <p:spPr>
           <a:xfrm>
             <a:off x="576000" y="712800"/>
-            <a:ext cx="11028960" cy="625320"/>
+            <a:ext cx="11027520" cy="625320"/>
           </a:xfrm>
           <a:prstGeom prst="rect">
             <a:avLst/>
@@ -1489,7 +1492,7 @@
         <p:spPr>
           <a:xfrm>
             <a:off x="576000" y="712800"/>
-            <a:ext cx="11028960" cy="625320"/>
+            <a:ext cx="11027520" cy="625320"/>
           </a:xfrm>
           <a:prstGeom prst="rect">
             <a:avLst/>
@@ -1571,8 +1574,8 @@
         </p:nvSpPr>
         <p:spPr>
           <a:xfrm>
-            <a:off x="576000" y="729720"/>
-            <a:ext cx="11028960" cy="2743200"/>
+            <a:off x="576000" y="712800"/>
+            <a:ext cx="11027520" cy="2898360"/>
           </a:xfrm>
           <a:prstGeom prst="rect">
             <a:avLst/>
@@ -1653,7 +1656,7 @@
         <p:spPr>
           <a:xfrm>
             <a:off x="576000" y="712800"/>
-            <a:ext cx="11028960" cy="625320"/>
+            <a:ext cx="11027520" cy="625320"/>
           </a:xfrm>
           <a:prstGeom prst="rect">
             <a:avLst/>
@@ -1865,7 +1868,7 @@
         <p:spPr>
           <a:xfrm>
             <a:off x="576000" y="712800"/>
-            <a:ext cx="11028960" cy="625320"/>
+            <a:ext cx="11027520" cy="625320"/>
           </a:xfrm>
           <a:prstGeom prst="rect">
             <a:avLst/>
@@ -1966,7 +1969,7 @@
         <p:txBody>
           <a:bodyPr/>
           <a:p>
-            <a:fld id="{EDDAA285-8845-4032-B72D-9BA69F1988F9}" type="slidenum">
+            <a:fld id="{C442C8E5-F4A2-4960-82EF-CC6F9F35AB1D}" type="slidenum">
               <a:t>&lt;#&gt;</a:t>
             </a:fld>
           </a:p>
@@ -2028,7 +2031,7 @@
         <p:spPr>
           <a:xfrm>
             <a:off x="576000" y="712800"/>
-            <a:ext cx="11028960" cy="625320"/>
+            <a:ext cx="11027520" cy="625320"/>
           </a:xfrm>
           <a:prstGeom prst="rect">
             <a:avLst/>
@@ -2240,7 +2243,7 @@
         <p:spPr>
           <a:xfrm>
             <a:off x="576000" y="712800"/>
-            <a:ext cx="11028960" cy="625320"/>
+            <a:ext cx="11027520" cy="625320"/>
           </a:xfrm>
           <a:prstGeom prst="rect">
             <a:avLst/>
@@ -2452,7 +2455,7 @@
         <p:spPr>
           <a:xfrm>
             <a:off x="576000" y="712800"/>
-            <a:ext cx="11028960" cy="625320"/>
+            <a:ext cx="11027520" cy="625320"/>
           </a:xfrm>
           <a:prstGeom prst="rect">
             <a:avLst/>
@@ -2621,7 +2624,7 @@
         <p:spPr>
           <a:xfrm>
             <a:off x="576000" y="712800"/>
-            <a:ext cx="11028960" cy="625320"/>
+            <a:ext cx="11027520" cy="625320"/>
           </a:xfrm>
           <a:prstGeom prst="rect">
             <a:avLst/>
@@ -2876,7 +2879,7 @@
         <p:spPr>
           <a:xfrm>
             <a:off x="576000" y="712800"/>
-            <a:ext cx="11028960" cy="625320"/>
+            <a:ext cx="11027520" cy="625320"/>
           </a:xfrm>
           <a:prstGeom prst="rect">
             <a:avLst/>
@@ -3238,7 +3241,7 @@
         <p:txBody>
           <a:bodyPr/>
           <a:p>
-            <a:fld id="{9B89D1DA-6D1F-4E83-84EF-949E3098237C}" type="slidenum">
+            <a:fld id="{A869140C-C296-46EA-B361-CEF2DE217B6E}" type="slidenum">
               <a:t>&lt;#&gt;</a:t>
             </a:fld>
           </a:p>
@@ -3300,7 +3303,7 @@
         <p:spPr>
           <a:xfrm>
             <a:off x="576000" y="712800"/>
-            <a:ext cx="11028960" cy="625320"/>
+            <a:ext cx="11027520" cy="625320"/>
           </a:xfrm>
           <a:prstGeom prst="rect">
             <a:avLst/>
@@ -3401,7 +3404,7 @@
         <p:txBody>
           <a:bodyPr/>
           <a:p>
-            <a:fld id="{A7655507-DB6D-4B1B-9BE6-C9502C1D2D8B}" type="slidenum">
+            <a:fld id="{B2A56D90-3E7E-4D33-BF08-1A224B7C33CF}" type="slidenum">
               <a:t>&lt;#&gt;</a:t>
             </a:fld>
           </a:p>
@@ -3463,7 +3466,7 @@
         <p:spPr>
           <a:xfrm>
             <a:off x="576000" y="712800"/>
-            <a:ext cx="11028960" cy="625320"/>
+            <a:ext cx="11027520" cy="625320"/>
           </a:xfrm>
           <a:prstGeom prst="rect">
             <a:avLst/>
@@ -3567,7 +3570,7 @@
         <p:txBody>
           <a:bodyPr/>
           <a:p>
-            <a:fld id="{8CBDDB16-EA5F-461F-86E7-81FC9E510ADC}" type="slidenum">
+            <a:fld id="{97997D9F-56A6-4660-9332-3E8B3DF1FFFD}" type="slidenum">
               <a:t>&lt;#&gt;</a:t>
             </a:fld>
           </a:p>
@@ -3629,7 +3632,7 @@
         <p:spPr>
           <a:xfrm>
             <a:off x="576000" y="712800"/>
-            <a:ext cx="11028960" cy="625320"/>
+            <a:ext cx="11027520" cy="625320"/>
           </a:xfrm>
           <a:prstGeom prst="rect">
             <a:avLst/>
@@ -3776,7 +3779,7 @@
         <p:txBody>
           <a:bodyPr/>
           <a:p>
-            <a:fld id="{2CD9B27C-B8C1-4C59-A715-E59E2CA09176}" type="slidenum">
+            <a:fld id="{CC0C0F88-EFAF-49AC-9E3C-D10EDA386451}" type="slidenum">
               <a:t>&lt;#&gt;</a:t>
             </a:fld>
           </a:p>
@@ -3838,7 +3841,7 @@
         <p:spPr>
           <a:xfrm>
             <a:off x="576000" y="712800"/>
-            <a:ext cx="11028960" cy="625320"/>
+            <a:ext cx="11027520" cy="625320"/>
           </a:xfrm>
           <a:prstGeom prst="rect">
             <a:avLst/>
@@ -3899,7 +3902,7 @@
         <p:txBody>
           <a:bodyPr/>
           <a:p>
-            <a:fld id="{740759DD-3656-4008-92D4-CD43269E45EE}" type="slidenum">
+            <a:fld id="{34DD4D93-F519-4867-AE09-E5CA22EAAF5C}" type="slidenum">
               <a:t>&lt;#&gt;</a:t>
             </a:fld>
           </a:p>
@@ -3961,7 +3964,7 @@
         <p:spPr>
           <a:xfrm>
             <a:off x="576000" y="712800"/>
-            <a:ext cx="11028960" cy="625320"/>
+            <a:ext cx="11027520" cy="625320"/>
           </a:xfrm>
           <a:prstGeom prst="rect">
             <a:avLst/>
@@ -4065,7 +4068,7 @@
         <p:txBody>
           <a:bodyPr/>
           <a:p>
-            <a:fld id="{E5A2A83F-1D7B-4CD9-8C53-0D65D46CA990}" type="slidenum">
+            <a:fld id="{EBDD67E6-476C-401C-BF91-A23C1CBCF8FB}" type="slidenum">
               <a:t>&lt;#&gt;</a:t>
             </a:fld>
           </a:p>
@@ -4126,8 +4129,8 @@
         </p:nvSpPr>
         <p:spPr>
           <a:xfrm>
-            <a:off x="576000" y="729720"/>
-            <a:ext cx="11028960" cy="2743200"/>
+            <a:off x="576000" y="712800"/>
+            <a:ext cx="11027520" cy="2898360"/>
           </a:xfrm>
           <a:prstGeom prst="rect">
             <a:avLst/>
@@ -4186,7 +4189,7 @@
         <p:txBody>
           <a:bodyPr/>
           <a:p>
-            <a:fld id="{51F4C9DC-4107-4EC2-8E13-DA7508927ADD}" type="slidenum">
+            <a:fld id="{E59A767C-DDD1-4914-BE46-96DAD9673862}" type="slidenum">
               <a:t>&lt;#&gt;</a:t>
             </a:fld>
           </a:p>
@@ -4248,7 +4251,7 @@
         <p:spPr>
           <a:xfrm>
             <a:off x="576000" y="712800"/>
-            <a:ext cx="11028960" cy="625320"/>
+            <a:ext cx="11027520" cy="625320"/>
           </a:xfrm>
           <a:prstGeom prst="rect">
             <a:avLst/>
@@ -4438,7 +4441,7 @@
         <p:txBody>
           <a:bodyPr/>
           <a:p>
-            <a:fld id="{84CC4B03-E97D-4BFE-ACC9-5AD5317335A9}" type="slidenum">
+            <a:fld id="{17013E04-86D8-41C7-9B40-E22EDD5FA087}" type="slidenum">
               <a:t>&lt;#&gt;</a:t>
             </a:fld>
           </a:p>
@@ -4500,7 +4503,7 @@
         <p:spPr>
           <a:xfrm>
             <a:off x="576000" y="712800"/>
-            <a:ext cx="11028960" cy="625320"/>
+            <a:ext cx="11027520" cy="625320"/>
           </a:xfrm>
           <a:prstGeom prst="rect">
             <a:avLst/>
@@ -4690,7 +4693,7 @@
         <p:txBody>
           <a:bodyPr/>
           <a:p>
-            <a:fld id="{1C467ADE-9E19-4566-908F-5D582150CE91}" type="slidenum">
+            <a:fld id="{691220E9-A4E8-41EA-B683-0CCC54324435}" type="slidenum">
               <a:t>&lt;#&gt;</a:t>
             </a:fld>
           </a:p>
@@ -4752,7 +4755,7 @@
         <p:spPr>
           <a:xfrm>
             <a:off x="576000" y="712800"/>
-            <a:ext cx="11028960" cy="625320"/>
+            <a:ext cx="11027520" cy="625320"/>
           </a:xfrm>
           <a:prstGeom prst="rect">
             <a:avLst/>
@@ -4942,7 +4945,7 @@
         <p:txBody>
           <a:bodyPr/>
           <a:p>
-            <a:fld id="{7DF6E865-8AF6-4650-9696-D9741751FF8C}" type="slidenum">
+            <a:fld id="{ABA710B7-F347-4C7D-BBE1-A12CFCD407C7}" type="slidenum">
               <a:t>&lt;#&gt;</a:t>
             </a:fld>
           </a:p>
@@ -5004,7 +5007,7 @@
         <p:spPr>
           <a:xfrm>
             <a:off x="576000" y="712800"/>
-            <a:ext cx="11028960" cy="625320"/>
+            <a:ext cx="11027520" cy="625320"/>
           </a:xfrm>
           <a:prstGeom prst="rect">
             <a:avLst/>
@@ -5151,7 +5154,7 @@
         <p:txBody>
           <a:bodyPr/>
           <a:p>
-            <a:fld id="{1E7A9411-AA6D-450E-92A8-5189A55E5516}" type="slidenum">
+            <a:fld id="{F235CE8A-AE62-4941-AC3B-EA5E383244F4}" type="slidenum">
               <a:t>&lt;#&gt;</a:t>
             </a:fld>
           </a:p>
@@ -5213,7 +5216,7 @@
         <p:spPr>
           <a:xfrm>
             <a:off x="576000" y="712800"/>
-            <a:ext cx="11028960" cy="625320"/>
+            <a:ext cx="11027520" cy="625320"/>
           </a:xfrm>
           <a:prstGeom prst="rect">
             <a:avLst/>
@@ -5446,7 +5449,7 @@
         <p:txBody>
           <a:bodyPr/>
           <a:p>
-            <a:fld id="{D922FEE3-B782-4EE5-8E3C-60A0113C7F59}" type="slidenum">
+            <a:fld id="{BD1C3C6E-A705-4E70-8276-CE5C4329DF6A}" type="slidenum">
               <a:t>&lt;#&gt;</a:t>
             </a:fld>
           </a:p>
@@ -5508,7 +5511,7 @@
         <p:spPr>
           <a:xfrm>
             <a:off x="576000" y="712800"/>
-            <a:ext cx="11028960" cy="625320"/>
+            <a:ext cx="11027520" cy="625320"/>
           </a:xfrm>
           <a:prstGeom prst="rect">
             <a:avLst/>
@@ -5827,7 +5830,7 @@
         <p:txBody>
           <a:bodyPr/>
           <a:p>
-            <a:fld id="{5D5542B6-4FE4-4358-AABD-44B3EFE10A88}" type="slidenum">
+            <a:fld id="{AA4C6159-FCB6-4220-8A27-7FCDB3094329}" type="slidenum">
               <a:t>&lt;#&gt;</a:t>
             </a:fld>
           </a:p>
@@ -5889,7 +5892,7 @@
         <p:spPr>
           <a:xfrm>
             <a:off x="576000" y="712800"/>
-            <a:ext cx="11028960" cy="625320"/>
+            <a:ext cx="11027520" cy="625320"/>
           </a:xfrm>
           <a:prstGeom prst="rect">
             <a:avLst/>
@@ -6036,7 +6039,7 @@
         <p:txBody>
           <a:bodyPr/>
           <a:p>
-            <a:fld id="{81C96D49-ECEB-4E94-ACA7-6995BE376654}" type="slidenum">
+            <a:fld id="{92AD979C-5A93-42E6-A161-D0BF7D694873}" type="slidenum">
               <a:t>&lt;#&gt;</a:t>
             </a:fld>
           </a:p>
@@ -6098,7 +6101,7 @@
         <p:spPr>
           <a:xfrm>
             <a:off x="576000" y="712800"/>
-            <a:ext cx="11028960" cy="625320"/>
+            <a:ext cx="11027520" cy="625320"/>
           </a:xfrm>
           <a:prstGeom prst="rect">
             <a:avLst/>
@@ -6159,7 +6162,7 @@
         <p:txBody>
           <a:bodyPr/>
           <a:p>
-            <a:fld id="{3F49541E-CD98-493F-A2E4-F8968012006E}" type="slidenum">
+            <a:fld id="{F4A061E8-A824-4E73-8F52-4F2931DC7088}" type="slidenum">
               <a:t>&lt;#&gt;</a:t>
             </a:fld>
           </a:p>
@@ -6220,8 +6223,8 @@
         </p:nvSpPr>
         <p:spPr>
           <a:xfrm>
-            <a:off x="576000" y="729720"/>
-            <a:ext cx="11028960" cy="2743200"/>
+            <a:off x="576000" y="712800"/>
+            <a:ext cx="11027520" cy="2898360"/>
           </a:xfrm>
           <a:prstGeom prst="rect">
             <a:avLst/>
@@ -6280,7 +6283,7 @@
         <p:txBody>
           <a:bodyPr/>
           <a:p>
-            <a:fld id="{7D4BF6CE-18A3-422F-89B2-CCBBEF6113D9}" type="slidenum">
+            <a:fld id="{5F99F10C-6EC8-42D6-AFC4-FEFABB059139}" type="slidenum">
               <a:t>&lt;#&gt;</a:t>
             </a:fld>
           </a:p>
@@ -6342,7 +6345,7 @@
         <p:spPr>
           <a:xfrm>
             <a:off x="576000" y="712800"/>
-            <a:ext cx="11028960" cy="625320"/>
+            <a:ext cx="11027520" cy="625320"/>
           </a:xfrm>
           <a:prstGeom prst="rect">
             <a:avLst/>
@@ -6532,7 +6535,7 @@
         <p:txBody>
           <a:bodyPr/>
           <a:p>
-            <a:fld id="{D4D3F38E-8809-4008-B760-02AF369C79A4}" type="slidenum">
+            <a:fld id="{E40D2A62-F36B-4348-8CC2-43EEC8CE8B65}" type="slidenum">
               <a:t>&lt;#&gt;</a:t>
             </a:fld>
           </a:p>
@@ -6594,7 +6597,7 @@
         <p:spPr>
           <a:xfrm>
             <a:off x="576000" y="712800"/>
-            <a:ext cx="11028960" cy="625320"/>
+            <a:ext cx="11027520" cy="625320"/>
           </a:xfrm>
           <a:prstGeom prst="rect">
             <a:avLst/>
@@ -6784,7 +6787,7 @@
         <p:txBody>
           <a:bodyPr/>
           <a:p>
-            <a:fld id="{2DCDDDAD-36DE-4987-9460-D7831F2A93C9}" type="slidenum">
+            <a:fld id="{71A861F1-CB4C-441E-94AD-72524FA92063}" type="slidenum">
               <a:t>&lt;#&gt;</a:t>
             </a:fld>
           </a:p>
@@ -6846,7 +6849,7 @@
         <p:spPr>
           <a:xfrm>
             <a:off x="576000" y="712800"/>
-            <a:ext cx="11028960" cy="625320"/>
+            <a:ext cx="11027520" cy="625320"/>
           </a:xfrm>
           <a:prstGeom prst="rect">
             <a:avLst/>
@@ -7036,7 +7039,7 @@
         <p:txBody>
           <a:bodyPr/>
           <a:p>
-            <a:fld id="{ADF1A234-674C-4902-8A01-AAC412B6827D}" type="slidenum">
+            <a:fld id="{5DCCB9C1-86E4-402A-A010-A9FDBBC67320}" type="slidenum">
               <a:t>&lt;#&gt;</a:t>
             </a:fld>
           </a:p>
@@ -7101,7 +7104,7 @@
         <p:spPr>
           <a:xfrm>
             <a:off x="446400" y="457200"/>
-            <a:ext cx="3702600" cy="94320"/>
+            <a:ext cx="3701160" cy="92880"/>
           </a:xfrm>
           <a:prstGeom prst="rect">
             <a:avLst/>
@@ -7160,7 +7163,7 @@
         <p:spPr>
           <a:xfrm>
             <a:off x="8042040" y="453600"/>
-            <a:ext cx="3702600" cy="97920"/>
+            <a:ext cx="3701160" cy="96480"/>
           </a:xfrm>
           <a:prstGeom prst="rect">
             <a:avLst/>
@@ -7219,7 +7222,7 @@
         <p:spPr>
           <a:xfrm>
             <a:off x="4241880" y="457200"/>
-            <a:ext cx="3702600" cy="90720"/>
+            <a:ext cx="3701160" cy="89280"/>
           </a:xfrm>
           <a:prstGeom prst="rect">
             <a:avLst/>
@@ -7251,7 +7254,7 @@
           <a:fontRef idx="minor"/>
         </p:style>
         <p:txBody>
-          <a:bodyPr lIns="90000" rIns="90000" tIns="45000" bIns="45000" anchor="t">
+          <a:bodyPr lIns="90000" rIns="90000" tIns="44640" bIns="44640" anchor="t">
             <a:noAutofit/>
           </a:bodyPr>
           <a:p>
@@ -7282,7 +7285,7 @@
         <p:spPr>
           <a:xfrm>
             <a:off x="10485000" y="6437880"/>
-            <a:ext cx="1125000" cy="364320"/>
+            <a:ext cx="1123560" cy="362880"/>
           </a:xfrm>
           <a:prstGeom prst="rect">
             <a:avLst/>
@@ -7301,7 +7304,7 @@
         <p:spPr>
           <a:xfrm>
             <a:off x="446400" y="3085920"/>
-            <a:ext cx="11298240" cy="3337560"/>
+            <a:ext cx="11296800" cy="3336120"/>
           </a:xfrm>
           <a:prstGeom prst="rect">
             <a:avLst/>
@@ -7358,62 +7361,13 @@
             <a:spLocks noGrp="1"/>
           </p:cNvSpPr>
           <p:nvPr>
-            <p:ph type="title"/>
-          </p:nvPr>
-        </p:nvSpPr>
-        <p:spPr>
-          <a:xfrm>
-            <a:off x="576000" y="729720"/>
-            <a:ext cx="11028960" cy="591480"/>
-          </a:xfrm>
-          <a:prstGeom prst="rect">
-            <a:avLst/>
-          </a:prstGeom>
-          <a:noFill/>
-          <a:ln w="0">
-            <a:noFill/>
-          </a:ln>
-        </p:spPr>
-        <p:txBody>
-          <a:bodyPr lIns="0" rIns="0" tIns="0" bIns="0" anchor="ctr">
-            <a:noAutofit/>
-          </a:bodyPr>
-          <a:p>
-            <a:pPr indent="0">
-              <a:buNone/>
-            </a:pPr>
-            <a:r>
-              <a:rPr b="0" lang="en-IN" sz="1800" spc="-1" strike="noStrike">
-                <a:solidFill>
-                  <a:srgbClr val="000000"/>
-                </a:solidFill>
-                <a:latin typeface="Arial"/>
-              </a:rPr>
-              <a:t>Click to edit the title text format</a:t>
-            </a:r>
-            <a:endParaRPr b="0" lang="en-IN" sz="1800" spc="-1" strike="noStrike">
-              <a:solidFill>
-                <a:srgbClr val="000000"/>
-              </a:solidFill>
-              <a:latin typeface="Arial"/>
-            </a:endParaRPr>
-          </a:p>
-        </p:txBody>
-      </p:sp>
-      <p:sp>
-        <p:nvSpPr>
-          <p:cNvPr id="6" name="PlaceHolder 2"/>
-          <p:cNvSpPr>
-            <a:spLocks noGrp="1"/>
-          </p:cNvSpPr>
-          <p:nvPr>
             <p:ph type="ftr" idx="1"/>
           </p:nvPr>
         </p:nvSpPr>
         <p:spPr>
           <a:xfrm>
             <a:off x="581040" y="6423840"/>
-            <a:ext cx="6916320" cy="364320"/>
+            <a:ext cx="6914880" cy="362880"/>
           </a:xfrm>
           <a:prstGeom prst="rect">
             <a:avLst/>
@@ -7474,7 +7428,7 @@
       </p:sp>
       <p:sp>
         <p:nvSpPr>
-          <p:cNvPr id="7" name="PlaceHolder 3"/>
+          <p:cNvPr id="6" name="PlaceHolder 2"/>
           <p:cNvSpPr>
             <a:spLocks noGrp="1"/>
           </p:cNvSpPr>
@@ -7485,7 +7439,7 @@
         <p:spPr>
           <a:xfrm>
             <a:off x="10558440" y="6423840"/>
-            <a:ext cx="1051920" cy="364320"/>
+            <a:ext cx="1050480" cy="362880"/>
           </a:xfrm>
           <a:prstGeom prst="rect">
             <a:avLst/>
@@ -7529,7 +7483,7 @@
                 <a:tab algn="l" pos="0"/>
               </a:tabLst>
             </a:pPr>
-            <a:fld id="{95EA2E8E-3097-4CFB-BBA9-D8061D625A19}" type="slidenum">
+            <a:fld id="{9D51BAF8-F903-4F94-9DD6-86DEDC60C302}" type="slidenum">
               <a:rPr b="0" lang="en-US" sz="900" spc="-1" strike="noStrike">
                 <a:solidFill>
                   <a:schemeClr val="dk1">
@@ -7552,7 +7506,7 @@
       </p:sp>
       <p:sp>
         <p:nvSpPr>
-          <p:cNvPr id="8" name="PlaceHolder 4"/>
+          <p:cNvPr id="7" name="PlaceHolder 3"/>
           <p:cNvSpPr>
             <a:spLocks noGrp="1"/>
           </p:cNvSpPr>
@@ -7563,7 +7517,7 @@
         <p:spPr>
           <a:xfrm>
             <a:off x="7606080" y="6423840"/>
-            <a:ext cx="2844000" cy="364320"/>
+            <a:ext cx="2842560" cy="362880"/>
           </a:xfrm>
           <a:prstGeom prst="rect">
             <a:avLst/>
@@ -7606,6 +7560,55 @@
                 <a:srgbClr val="000000"/>
               </a:solidFill>
               <a:latin typeface="Times New Roman"/>
+            </a:endParaRPr>
+          </a:p>
+        </p:txBody>
+      </p:sp>
+      <p:sp>
+        <p:nvSpPr>
+          <p:cNvPr id="8" name="PlaceHolder 4"/>
+          <p:cNvSpPr>
+            <a:spLocks noGrp="1"/>
+          </p:cNvSpPr>
+          <p:nvPr>
+            <p:ph type="title"/>
+          </p:nvPr>
+        </p:nvSpPr>
+        <p:spPr>
+          <a:xfrm>
+            <a:off x="609480" y="273600"/>
+            <a:ext cx="10972440" cy="1144800"/>
+          </a:xfrm>
+          <a:prstGeom prst="rect">
+            <a:avLst/>
+          </a:prstGeom>
+          <a:noFill/>
+          <a:ln w="0">
+            <a:noFill/>
+          </a:ln>
+        </p:spPr>
+        <p:txBody>
+          <a:bodyPr lIns="0" rIns="0" tIns="0" bIns="0" anchor="ctr">
+            <a:noAutofit/>
+          </a:bodyPr>
+          <a:p>
+            <a:pPr indent="0" algn="ctr">
+              <a:buNone/>
+            </a:pPr>
+            <a:r>
+              <a:rPr b="0" lang="en-IN" sz="4400" spc="-1" strike="noStrike">
+                <a:solidFill>
+                  <a:srgbClr val="000000"/>
+                </a:solidFill>
+                <a:latin typeface="Arial"/>
+              </a:rPr>
+              <a:t>Click to edit the title text format</a:t>
+            </a:r>
+            <a:endParaRPr b="0" lang="en-IN" sz="4400" spc="-1" strike="noStrike">
+              <a:solidFill>
+                <a:srgbClr val="000000"/>
+              </a:solidFill>
+              <a:latin typeface="Arial"/>
             </a:endParaRPr>
           </a:p>
         </p:txBody>
@@ -7888,7 +7891,7 @@
         <p:spPr>
           <a:xfrm>
             <a:off x="446400" y="457200"/>
-            <a:ext cx="3702600" cy="94320"/>
+            <a:ext cx="3701160" cy="92880"/>
           </a:xfrm>
           <a:prstGeom prst="rect">
             <a:avLst/>
@@ -7947,7 +7950,7 @@
         <p:spPr>
           <a:xfrm>
             <a:off x="8042040" y="453600"/>
-            <a:ext cx="3702600" cy="97920"/>
+            <a:ext cx="3701160" cy="96480"/>
           </a:xfrm>
           <a:prstGeom prst="rect">
             <a:avLst/>
@@ -8006,7 +8009,7 @@
         <p:spPr>
           <a:xfrm>
             <a:off x="4241880" y="457200"/>
-            <a:ext cx="3702600" cy="90720"/>
+            <a:ext cx="3701160" cy="89280"/>
           </a:xfrm>
           <a:prstGeom prst="rect">
             <a:avLst/>
@@ -8038,7 +8041,7 @@
           <a:fontRef idx="minor"/>
         </p:style>
         <p:txBody>
-          <a:bodyPr lIns="90000" rIns="90000" tIns="45000" bIns="45000" anchor="t">
+          <a:bodyPr lIns="90000" rIns="90000" tIns="44640" bIns="44640" anchor="t">
             <a:noAutofit/>
           </a:bodyPr>
           <a:p>
@@ -8069,7 +8072,7 @@
         <p:spPr>
           <a:xfrm>
             <a:off x="10485000" y="6437880"/>
-            <a:ext cx="1125000" cy="364320"/>
+            <a:ext cx="1123560" cy="362880"/>
           </a:xfrm>
           <a:prstGeom prst="rect">
             <a:avLst/>
@@ -8092,7 +8095,7 @@
         <p:spPr>
           <a:xfrm>
             <a:off x="7606080" y="6423840"/>
-            <a:ext cx="2844000" cy="364320"/>
+            <a:ext cx="2842560" cy="362880"/>
           </a:xfrm>
           <a:prstGeom prst="rect">
             <a:avLst/>
@@ -8466,7 +8469,7 @@
         <p:spPr>
           <a:xfrm>
             <a:off x="446400" y="457200"/>
-            <a:ext cx="3702600" cy="94320"/>
+            <a:ext cx="3701160" cy="92880"/>
           </a:xfrm>
           <a:prstGeom prst="rect">
             <a:avLst/>
@@ -8525,7 +8528,7 @@
         <p:spPr>
           <a:xfrm>
             <a:off x="8042040" y="453600"/>
-            <a:ext cx="3702600" cy="97920"/>
+            <a:ext cx="3701160" cy="96480"/>
           </a:xfrm>
           <a:prstGeom prst="rect">
             <a:avLst/>
@@ -8584,7 +8587,7 @@
         <p:spPr>
           <a:xfrm>
             <a:off x="4241880" y="457200"/>
-            <a:ext cx="3702600" cy="90720"/>
+            <a:ext cx="3701160" cy="89280"/>
           </a:xfrm>
           <a:prstGeom prst="rect">
             <a:avLst/>
@@ -8616,7 +8619,7 @@
           <a:fontRef idx="minor"/>
         </p:style>
         <p:txBody>
-          <a:bodyPr lIns="90000" rIns="90000" tIns="45000" bIns="45000" anchor="t">
+          <a:bodyPr lIns="90000" rIns="90000" tIns="44640" bIns="44640" anchor="t">
             <a:noAutofit/>
           </a:bodyPr>
           <a:p>
@@ -8647,7 +8650,7 @@
         <p:spPr>
           <a:xfrm>
             <a:off x="10485000" y="6437880"/>
-            <a:ext cx="1125000" cy="364320"/>
+            <a:ext cx="1123560" cy="362880"/>
           </a:xfrm>
           <a:prstGeom prst="rect">
             <a:avLst/>
@@ -8669,8 +8672,8 @@
         </p:nvSpPr>
         <p:spPr>
           <a:xfrm>
-            <a:off x="576000" y="729720"/>
-            <a:ext cx="11028960" cy="591480"/>
+            <a:off x="576000" y="712800"/>
+            <a:ext cx="11027520" cy="624960"/>
           </a:xfrm>
           <a:prstGeom prst="rect">
             <a:avLst/>
@@ -8719,7 +8722,7 @@
         <p:spPr>
           <a:xfrm>
             <a:off x="581040" y="6423840"/>
-            <a:ext cx="6916320" cy="364320"/>
+            <a:ext cx="6914880" cy="362880"/>
           </a:xfrm>
           <a:prstGeom prst="rect">
             <a:avLst/>
@@ -8791,7 +8794,7 @@
         <p:spPr>
           <a:xfrm>
             <a:off x="10558440" y="6423840"/>
-            <a:ext cx="1051920" cy="364320"/>
+            <a:ext cx="1050480" cy="362880"/>
           </a:xfrm>
           <a:prstGeom prst="rect">
             <a:avLst/>
@@ -8835,7 +8838,7 @@
                 <a:tab algn="l" pos="0"/>
               </a:tabLst>
             </a:pPr>
-            <a:fld id="{0E307940-4939-4864-B5F3-1FC0D6FBACE0}" type="slidenum">
+            <a:fld id="{A08903B4-E8F2-4088-BAB1-33184F3AD5C9}" type="slidenum">
               <a:rPr b="0" lang="en-US" sz="900" spc="-1" strike="noStrike">
                 <a:solidFill>
                   <a:schemeClr val="dk1">
@@ -8869,7 +8872,7 @@
         <p:spPr>
           <a:xfrm>
             <a:off x="7606080" y="6423840"/>
-            <a:ext cx="2844000" cy="364320"/>
+            <a:ext cx="2842560" cy="362880"/>
           </a:xfrm>
           <a:prstGeom prst="rect">
             <a:avLst/>
@@ -9191,7 +9194,7 @@
         <p:spPr>
           <a:xfrm>
             <a:off x="1359000" y="1821600"/>
-            <a:ext cx="9143280" cy="977040"/>
+            <a:ext cx="9141840" cy="975600"/>
           </a:xfrm>
           <a:prstGeom prst="rect">
             <a:avLst/>
@@ -9251,7 +9254,7 @@
         <p:spPr>
           <a:xfrm>
             <a:off x="-329760" y="1034280"/>
-            <a:ext cx="12726000" cy="577440"/>
+            <a:ext cx="12724560" cy="577440"/>
           </a:xfrm>
           <a:prstGeom prst="rect">
             <a:avLst/>
@@ -9306,7 +9309,7 @@
         <p:spPr>
           <a:xfrm>
             <a:off x="3117600" y="4586400"/>
-            <a:ext cx="7979400" cy="1309320"/>
+            <a:ext cx="7977960" cy="1309320"/>
           </a:xfrm>
           <a:prstGeom prst="rect">
             <a:avLst/>
@@ -9341,7 +9344,7 @@
                 </a:solidFill>
                 <a:latin typeface="Arial"/>
               </a:rPr>
-              <a:t>Presented By: Souparnika H</a:t>
+              <a:t>Presented By: </a:t>
             </a:r>
             <a:endParaRPr b="0" lang="en-IN" sz="2000" spc="-1" strike="noStrike">
               <a:solidFill>
@@ -9443,7 +9446,7 @@
         <p:spPr>
           <a:xfrm>
             <a:off x="581040" y="702000"/>
-            <a:ext cx="11028960" cy="529560"/>
+            <a:ext cx="11027520" cy="528120"/>
           </a:xfrm>
           <a:prstGeom prst="rect">
             <a:avLst/>
@@ -9528,16 +9531,7 @@
                 </a:solidFill>
                 <a:latin typeface="Franklin Gothic Demi"/>
               </a:rPr>
-              <a:t>	</a:t>
-            </a:r>
-            <a:r>
-              <a:rPr b="0" lang="en-IN" sz="2800" spc="-1" strike="noStrike" cap="all">
-                <a:solidFill>
-                  <a:schemeClr val="accent1"/>
-                </a:solidFill>
-                <a:latin typeface="Franklin Gothic Demi"/>
-              </a:rPr>
-              <a:t>DEPLOYED AGENT</a:t>
+              <a:t>ASK AGENT HOW TO  USE AN UPI ?</a:t>
             </a:r>
             <a:endParaRPr b="0" lang="en-IN" sz="2800" spc="-1" strike="noStrike">
               <a:solidFill>
@@ -9560,8 +9554,8 @@
         </p:blipFill>
         <p:spPr>
           <a:xfrm>
-            <a:off x="889200" y="1295280"/>
-            <a:ext cx="10401120" cy="5257440"/>
+            <a:off x="47880" y="1440000"/>
+            <a:ext cx="12128040" cy="5220000"/>
           </a:xfrm>
           <a:prstGeom prst="rect">
             <a:avLst/>
@@ -9614,7 +9608,7 @@
         <p:spPr>
           <a:xfrm>
             <a:off x="581040" y="702000"/>
-            <a:ext cx="11028960" cy="529560"/>
+            <a:ext cx="11027520" cy="528120"/>
           </a:xfrm>
           <a:prstGeom prst="rect">
             <a:avLst/>
@@ -9699,16 +9693,7 @@
                 </a:solidFill>
                 <a:latin typeface="Franklin Gothic Demi"/>
               </a:rPr>
-              <a:t>	</a:t>
-            </a:r>
-            <a:r>
-              <a:rPr b="0" lang="en-IN" sz="2800" spc="-1" strike="noStrike" cap="all">
-                <a:solidFill>
-                  <a:schemeClr val="accent1"/>
-                </a:solidFill>
-                <a:latin typeface="Franklin Gothic Demi"/>
-              </a:rPr>
-              <a:t>PREVIEW OF AGENT</a:t>
+              <a:t>MULTI LANGUAGE PREFERENCE</a:t>
             </a:r>
             <a:endParaRPr b="0" lang="en-IN" sz="2800" spc="-1" strike="noStrike">
               <a:solidFill>
@@ -9731,8 +9716,8 @@
         </p:blipFill>
         <p:spPr>
           <a:xfrm>
-            <a:off x="1193760" y="1343160"/>
-            <a:ext cx="10312200" cy="5238360"/>
+            <a:off x="48240" y="1260000"/>
+            <a:ext cx="12191760" cy="5657400"/>
           </a:xfrm>
           <a:prstGeom prst="rect">
             <a:avLst/>
@@ -9785,7 +9770,7 @@
         <p:spPr>
           <a:xfrm>
             <a:off x="581040" y="702000"/>
-            <a:ext cx="11028960" cy="529560"/>
+            <a:ext cx="11027520" cy="528120"/>
           </a:xfrm>
           <a:prstGeom prst="rect">
             <a:avLst/>
@@ -9816,7 +9801,70 @@
                 </a:solidFill>
                 <a:latin typeface="Franklin Gothic Demi"/>
               </a:rPr>
-              <a:t>Conclusion</a:t>
+              <a:t>Result</a:t>
+            </a:r>
+            <a:r>
+              <a:rPr b="0" lang="en-IN" sz="2800" spc="-1" strike="noStrike" cap="all">
+                <a:solidFill>
+                  <a:schemeClr val="accent1"/>
+                </a:solidFill>
+                <a:latin typeface="Franklin Gothic Demi"/>
+              </a:rPr>
+              <a:t>	</a:t>
+            </a:r>
+            <a:r>
+              <a:rPr b="0" lang="en-IN" sz="2800" spc="-1" strike="noStrike" cap="all">
+                <a:solidFill>
+                  <a:schemeClr val="accent1"/>
+                </a:solidFill>
+                <a:latin typeface="Franklin Gothic Demi"/>
+              </a:rPr>
+              <a:t>	</a:t>
+            </a:r>
+            <a:r>
+              <a:rPr b="0" lang="en-IN" sz="2800" spc="-1" strike="noStrike" cap="all">
+                <a:solidFill>
+                  <a:schemeClr val="accent1"/>
+                </a:solidFill>
+                <a:latin typeface="Franklin Gothic Demi"/>
+              </a:rPr>
+              <a:t>	</a:t>
+            </a:r>
+            <a:r>
+              <a:rPr b="0" lang="en-IN" sz="2800" spc="-1" strike="noStrike" cap="all">
+                <a:solidFill>
+                  <a:schemeClr val="accent1"/>
+                </a:solidFill>
+                <a:latin typeface="Franklin Gothic Demi"/>
+              </a:rPr>
+              <a:t>	</a:t>
+            </a:r>
+            <a:r>
+              <a:rPr b="0" lang="en-IN" sz="2800" spc="-1" strike="noStrike" cap="all">
+                <a:solidFill>
+                  <a:schemeClr val="accent1"/>
+                </a:solidFill>
+                <a:latin typeface="Franklin Gothic Demi"/>
+              </a:rPr>
+              <a:t>	</a:t>
+            </a:r>
+            <a:r>
+              <a:rPr b="0" lang="en-IN" sz="2800" spc="-1" strike="noStrike" cap="all">
+                <a:solidFill>
+                  <a:schemeClr val="accent1"/>
+                </a:solidFill>
+                <a:latin typeface="Franklin Gothic Demi"/>
+              </a:rPr>
+              <a:t>	</a:t>
+            </a:r>
+            <a:r>
+              <a:rPr b="0" lang="en-IN" sz="2800" spc="-1" strike="noStrike" cap="all">
+                <a:solidFill>
+                  <a:schemeClr val="accent1"/>
+                </a:solidFill>
+                <a:latin typeface="Franklin Gothic Demi"/>
+              </a:rPr>
+              <a:t>DEPLOYED AGENT</a:t>
             </a:r>
             <a:endParaRPr b="0" lang="en-IN" sz="2800" spc="-1" strike="noStrike">
               <a:solidFill>
@@ -9827,140 +9875,29 @@
           </a:p>
         </p:txBody>
       </p:sp>
-      <p:sp>
-        <p:nvSpPr>
-          <p:cNvPr id="158" name="PlaceHolder 2"/>
-          <p:cNvSpPr>
-            <a:spLocks noGrp="1"/>
-          </p:cNvSpPr>
-          <p:nvPr>
-            <p:ph/>
-          </p:nvPr>
-        </p:nvSpPr>
-        <p:spPr>
-          <a:xfrm>
-            <a:off x="581040" y="1302120"/>
-            <a:ext cx="11028960" cy="4672440"/>
-          </a:xfrm>
-          <a:prstGeom prst="rect">
-            <a:avLst/>
-          </a:prstGeom>
-          <a:noFill/>
-          <a:ln w="0">
-            <a:noFill/>
-          </a:ln>
-        </p:spPr>
-        <p:txBody>
-          <a:bodyPr lIns="90000" rIns="90000" tIns="45000" bIns="45000" anchor="ctr">
-            <a:noAutofit/>
-          </a:bodyPr>
-          <a:p>
-            <a:pPr marL="305280" indent="-305280" defTabSz="457200">
-              <a:lnSpc>
-                <a:spcPct val="110000"/>
-              </a:lnSpc>
-              <a:spcBef>
-                <a:spcPts val="561"/>
-              </a:spcBef>
-              <a:spcAft>
-                <a:spcPts val="601"/>
-              </a:spcAft>
-              <a:buClr>
-                <a:srgbClr val="1cade4"/>
-              </a:buClr>
-              <a:buSzPct val="92000"/>
-              <a:buFont typeface="Wingdings 2" charset="2"/>
-              <a:buChar char=""/>
-            </a:pPr>
-            <a:r>
-              <a:rPr b="0" lang="en-IN" sz="2800" spc="-1" strike="noStrike">
-                <a:solidFill>
-                  <a:srgbClr val="404040"/>
-                </a:solidFill>
-                <a:latin typeface="Calibri"/>
-                <a:ea typeface="Calibri"/>
-              </a:rPr>
-              <a:t>The Digital Financial Literacy AI Agent serves as a powerful and inclusive tool to bridge the financial knowledge gap across diverse user groups. </a:t>
-            </a:r>
-            <a:endParaRPr b="0" lang="en-IN" sz="2800" spc="-1" strike="noStrike">
-              <a:solidFill>
-                <a:srgbClr val="000000"/>
-              </a:solidFill>
-              <a:latin typeface="Arial"/>
-            </a:endParaRPr>
-          </a:p>
-          <a:p>
-            <a:pPr marL="305280" indent="-305280" defTabSz="457200">
-              <a:lnSpc>
-                <a:spcPct val="110000"/>
-              </a:lnSpc>
-              <a:spcBef>
-                <a:spcPts val="561"/>
-              </a:spcBef>
-              <a:spcAft>
-                <a:spcPts val="601"/>
-              </a:spcAft>
-              <a:buClr>
-                <a:srgbClr val="1cade4"/>
-              </a:buClr>
-              <a:buSzPct val="92000"/>
-              <a:buFont typeface="Wingdings 2" charset="2"/>
-              <a:buChar char=""/>
-            </a:pPr>
-            <a:r>
-              <a:rPr b="0" lang="en-IN" sz="2800" spc="-1" strike="noStrike">
-                <a:solidFill>
-                  <a:srgbClr val="404040"/>
-                </a:solidFill>
-                <a:latin typeface="Calibri"/>
-                <a:ea typeface="Calibri"/>
-              </a:rPr>
-              <a:t>By offering multilingual support and simplified guidance on banking, budgeting, and safe digital transactions, it empowers individuals to make informed financial decisions. </a:t>
-            </a:r>
-            <a:endParaRPr b="0" lang="en-IN" sz="2800" spc="-1" strike="noStrike">
-              <a:solidFill>
-                <a:srgbClr val="000000"/>
-              </a:solidFill>
-              <a:latin typeface="Arial"/>
-            </a:endParaRPr>
-          </a:p>
-          <a:p>
-            <a:pPr marL="305280" indent="-305280" defTabSz="457200">
-              <a:lnSpc>
-                <a:spcPct val="110000"/>
-              </a:lnSpc>
-              <a:spcBef>
-                <a:spcPts val="561"/>
-              </a:spcBef>
-              <a:spcAft>
-                <a:spcPts val="601"/>
-              </a:spcAft>
-              <a:buClr>
-                <a:srgbClr val="1cade4"/>
-              </a:buClr>
-              <a:buSzPct val="92000"/>
-              <a:buFont typeface="Wingdings 2" charset="2"/>
-              <a:buChar char=""/>
-            </a:pPr>
-            <a:r>
-              <a:rPr b="0" lang="en-IN" sz="2800" spc="-1" strike="noStrike">
-                <a:solidFill>
-                  <a:srgbClr val="404040"/>
-                </a:solidFill>
-                <a:latin typeface="Calibri"/>
-                <a:ea typeface="Calibri"/>
-              </a:rPr>
-              <a:t>With its ability to identify scams, suggest schemes, and encourage responsible money management, this agent fosters financial confidence and digital trust, contributing to a more financially literate society.</a:t>
-            </a:r>
-            <a:endParaRPr b="0" lang="en-IN" sz="2800" spc="-1" strike="noStrike">
-              <a:solidFill>
-                <a:srgbClr val="000000"/>
-              </a:solidFill>
-              <a:latin typeface="Arial"/>
-            </a:endParaRPr>
-          </a:p>
-        </p:txBody>
-      </p:sp>
+      <p:pic>
+        <p:nvPicPr>
+          <p:cNvPr id="158" name="" descr=""/>
+          <p:cNvPicPr/>
+          <p:nvPr/>
+        </p:nvPicPr>
+        <p:blipFill>
+          <a:blip r:embed="rId1"/>
+          <a:stretch/>
+        </p:blipFill>
+        <p:spPr>
+          <a:xfrm>
+            <a:off x="889200" y="1295280"/>
+            <a:ext cx="10399680" cy="5256000"/>
+          </a:xfrm>
+          <a:prstGeom prst="rect">
+            <a:avLst/>
+          </a:prstGeom>
+          <a:ln w="0">
+            <a:noFill/>
+          </a:ln>
+        </p:spPr>
+      </p:pic>
     </p:spTree>
   </p:cSld>
   <mc:AlternateContent>
@@ -10004,7 +9941,7 @@
         <p:spPr>
           <a:xfrm>
             <a:off x="581040" y="702000"/>
-            <a:ext cx="11028960" cy="529560"/>
+            <a:ext cx="11027520" cy="528120"/>
           </a:xfrm>
           <a:prstGeom prst="rect">
             <a:avLst/>
@@ -10035,108 +9972,72 @@
                 </a:solidFill>
                 <a:latin typeface="Franklin Gothic Demi"/>
               </a:rPr>
-              <a:t>GitHub Link</a:t>
+              <a:t>Result</a:t>
+            </a:r>
+            <a:r>
+              <a:rPr b="0" lang="en-IN" sz="2800" spc="-1" strike="noStrike" cap="all">
+                <a:solidFill>
+                  <a:schemeClr val="accent1"/>
+                </a:solidFill>
+                <a:latin typeface="Franklin Gothic Demi"/>
+              </a:rPr>
+              <a:t>	</a:t>
+            </a:r>
+            <a:r>
+              <a:rPr b="0" lang="en-IN" sz="2800" spc="-1" strike="noStrike" cap="all">
+                <a:solidFill>
+                  <a:schemeClr val="accent1"/>
+                </a:solidFill>
+                <a:latin typeface="Franklin Gothic Demi"/>
+              </a:rPr>
+              <a:t>	</a:t>
+            </a:r>
+            <a:r>
+              <a:rPr b="0" lang="en-IN" sz="2800" spc="-1" strike="noStrike" cap="all">
+                <a:solidFill>
+                  <a:schemeClr val="accent1"/>
+                </a:solidFill>
+                <a:latin typeface="Franklin Gothic Demi"/>
+              </a:rPr>
+              <a:t>	</a:t>
+            </a:r>
+            <a:r>
+              <a:rPr b="0" lang="en-IN" sz="2800" spc="-1" strike="noStrike" cap="all">
+                <a:solidFill>
+                  <a:schemeClr val="accent1"/>
+                </a:solidFill>
+                <a:latin typeface="Franklin Gothic Demi"/>
+              </a:rPr>
+              <a:t>	</a:t>
+            </a:r>
+            <a:r>
+              <a:rPr b="0" lang="en-IN" sz="2800" spc="-1" strike="noStrike" cap="all">
+                <a:solidFill>
+                  <a:schemeClr val="accent1"/>
+                </a:solidFill>
+                <a:latin typeface="Franklin Gothic Demi"/>
+              </a:rPr>
+              <a:t>	</a:t>
+            </a:r>
+            <a:r>
+              <a:rPr b="0" lang="en-IN" sz="2800" spc="-1" strike="noStrike" cap="all">
+                <a:solidFill>
+                  <a:schemeClr val="accent1"/>
+                </a:solidFill>
+                <a:latin typeface="Franklin Gothic Demi"/>
+              </a:rPr>
+              <a:t>	</a:t>
+            </a:r>
+            <a:r>
+              <a:rPr b="0" lang="en-IN" sz="2800" spc="-1" strike="noStrike" cap="all">
+                <a:solidFill>
+                  <a:schemeClr val="accent1"/>
+                </a:solidFill>
+                <a:latin typeface="Franklin Gothic Demi"/>
+              </a:rPr>
+              <a:t>PREVIEW OF AGENT</a:t>
             </a:r>
             <a:endParaRPr b="0" lang="en-IN" sz="2800" spc="-1" strike="noStrike">
-              <a:solidFill>
-                <a:srgbClr val="000000"/>
-              </a:solidFill>
-              <a:latin typeface="Arial"/>
-            </a:endParaRPr>
-          </a:p>
-        </p:txBody>
-      </p:sp>
-      <p:sp>
-        <p:nvSpPr>
-          <p:cNvPr id="160" name="PlaceHolder 2"/>
-          <p:cNvSpPr>
-            <a:spLocks noGrp="1"/>
-          </p:cNvSpPr>
-          <p:nvPr>
-            <p:ph/>
-          </p:nvPr>
-        </p:nvSpPr>
-        <p:spPr>
-          <a:xfrm>
-            <a:off x="620640" y="1607400"/>
-            <a:ext cx="11028960" cy="1408680"/>
-          </a:xfrm>
-          <a:prstGeom prst="rect">
-            <a:avLst/>
-          </a:prstGeom>
-          <a:noFill/>
-          <a:ln w="0">
-            <a:noFill/>
-          </a:ln>
-        </p:spPr>
-        <p:txBody>
-          <a:bodyPr lIns="90000" rIns="90000" tIns="45000" bIns="45000" anchor="ctr">
-            <a:noAutofit/>
-          </a:bodyPr>
-          <a:p>
-            <a:pPr marL="306000" indent="-306000" defTabSz="457200">
-              <a:lnSpc>
-                <a:spcPct val="110000"/>
-              </a:lnSpc>
-              <a:spcBef>
-                <a:spcPts val="340"/>
-              </a:spcBef>
-              <a:spcAft>
-                <a:spcPts val="601"/>
-              </a:spcAft>
-              <a:buClr>
-                <a:srgbClr val="1cade4"/>
-              </a:buClr>
-              <a:buSzPct val="92000"/>
-              <a:buFont typeface="Wingdings 2" charset="2"/>
-              <a:buChar char=""/>
-            </a:pPr>
-            <a:r>
-              <a:rPr b="0" lang="en-IN" sz="1700" spc="-1" strike="noStrike">
-                <a:solidFill>
-                  <a:schemeClr val="dk1">
-                    <a:lumMod val="75000"/>
-                    <a:lumOff val="25000"/>
-                  </a:schemeClr>
-                </a:solidFill>
-                <a:latin typeface="Franklin Gothic Book"/>
-              </a:rPr>
-              <a:t> </a:t>
-            </a:r>
-            <a:r>
-              <a:rPr b="0" lang="en-IN" sz="2400" spc="-1" strike="noStrike">
-                <a:solidFill>
-                  <a:schemeClr val="dk1">
-                    <a:lumMod val="75000"/>
-                    <a:lumOff val="25000"/>
-                  </a:schemeClr>
-                </a:solidFill>
-                <a:latin typeface="Franklin Gothic Book"/>
-                <a:hlinkClick r:id="rId1"/>
-              </a:rPr>
-              <a:t>https://github.com/SouparnikaH/-AI-Agent-for-Digital-Financial-Literacy-.git</a:t>
-            </a:r>
-            <a:endParaRPr b="0" lang="en-IN" sz="2400" spc="-1" strike="noStrike">
-              <a:solidFill>
-                <a:srgbClr val="000000"/>
-              </a:solidFill>
-              <a:latin typeface="Arial"/>
-            </a:endParaRPr>
-          </a:p>
-          <a:p>
-            <a:pPr marL="306000" indent="0" defTabSz="457200">
-              <a:lnSpc>
-                <a:spcPct val="110000"/>
-              </a:lnSpc>
-              <a:spcBef>
-                <a:spcPts val="340"/>
-              </a:spcBef>
-              <a:spcAft>
-                <a:spcPts val="601"/>
-              </a:spcAft>
-              <a:buNone/>
-            </a:pPr>
-            <a:endParaRPr b="0" lang="en-IN" sz="1700" spc="-1" strike="noStrike">
               <a:solidFill>
                 <a:srgbClr val="000000"/>
               </a:solidFill>
@@ -10147,18 +10048,18 @@
       </p:sp>
       <p:pic>
         <p:nvPicPr>
-          <p:cNvPr id="161" name="" descr=""/>
+          <p:cNvPr id="160" name="" descr=""/>
           <p:cNvPicPr/>
           <p:nvPr/>
         </p:nvPicPr>
         <p:blipFill>
-          <a:blip r:embed="rId2"/>
+          <a:blip r:embed="rId1"/>
           <a:stretch/>
         </p:blipFill>
         <p:spPr>
           <a:xfrm>
-            <a:off x="1701720" y="2664000"/>
-            <a:ext cx="8205480" cy="3686040"/>
+            <a:off x="1193760" y="1343160"/>
+            <a:ext cx="10310760" cy="5236920"/>
           </a:xfrm>
           <a:prstGeom prst="rect">
             <a:avLst/>
@@ -10200,7 +10101,62 @@
       </p:grpSpPr>
       <p:sp>
         <p:nvSpPr>
-          <p:cNvPr id="162" name="PlaceHolder 1"/>
+          <p:cNvPr id="161" name="PlaceHolder 1"/>
+          <p:cNvSpPr>
+            <a:spLocks noGrp="1"/>
+          </p:cNvSpPr>
+          <p:nvPr>
+            <p:ph type="title"/>
+          </p:nvPr>
+        </p:nvSpPr>
+        <p:spPr>
+          <a:xfrm>
+            <a:off x="581040" y="702000"/>
+            <a:ext cx="11027520" cy="528120"/>
+          </a:xfrm>
+          <a:prstGeom prst="rect">
+            <a:avLst/>
+          </a:prstGeom>
+          <a:noFill/>
+          <a:ln w="0">
+            <a:noFill/>
+          </a:ln>
+        </p:spPr>
+        <p:txBody>
+          <a:bodyPr lIns="90000" rIns="90000" tIns="45000" bIns="45000" anchor="b">
+            <a:noAutofit/>
+          </a:bodyPr>
+          <a:p>
+            <a:pPr indent="0" defTabSz="457200">
+              <a:lnSpc>
+                <a:spcPct val="100000"/>
+              </a:lnSpc>
+              <a:buNone/>
+              <a:tabLst>
+                <a:tab algn="l" pos="0"/>
+              </a:tabLst>
+            </a:pPr>
+            <a:r>
+              <a:rPr b="0" lang="en-IN" sz="2800" spc="-1" strike="noStrike" cap="all">
+                <a:solidFill>
+                  <a:schemeClr val="accent1"/>
+                </a:solidFill>
+                <a:latin typeface="Franklin Gothic Demi"/>
+              </a:rPr>
+              <a:t>Conclusion</a:t>
+            </a:r>
+            <a:endParaRPr b="0" lang="en-IN" sz="2800" spc="-1" strike="noStrike">
+              <a:solidFill>
+                <a:srgbClr val="000000"/>
+              </a:solidFill>
+              <a:latin typeface="Arial"/>
+            </a:endParaRPr>
+          </a:p>
+        </p:txBody>
+      </p:sp>
+      <p:sp>
+        <p:nvSpPr>
+          <p:cNvPr id="162" name="PlaceHolder 2"/>
           <p:cNvSpPr>
             <a:spLocks noGrp="1"/>
           </p:cNvSpPr>
@@ -10210,8 +10166,8 @@
         </p:nvSpPr>
         <p:spPr>
           <a:xfrm>
-            <a:off x="690120" y="1599480"/>
-            <a:ext cx="11028960" cy="4672440"/>
+            <a:off x="581040" y="1302120"/>
+            <a:ext cx="11027520" cy="4671000"/>
           </a:xfrm>
           <a:prstGeom prst="rect">
             <a:avLst/>
@@ -10244,32 +10200,16 @@
               <a:buChar char=""/>
             </a:pPr>
             <a:r>
-              <a:rPr b="0" lang="en-US" sz="2800" spc="-1" strike="noStrike">
-                <a:solidFill>
-                  <a:schemeClr val="dk1">
-                    <a:lumMod val="75000"/>
-                    <a:lumOff val="25000"/>
-                  </a:schemeClr>
+              <a:rPr b="0" lang="en-IN" sz="2800" spc="-1" strike="noStrike">
+                <a:solidFill>
+                  <a:srgbClr val="404040"/>
                 </a:solidFill>
                 <a:latin typeface="Calibri"/>
-                <a:ea typeface="Franklin Gothic Book"/>
+                <a:ea typeface="Calibri"/>
               </a:rPr>
-              <a:t>Scam &amp; Phishing Verification Support : </a:t>
-            </a:r>
-            <a:r>
-              <a:rPr b="0" lang="en-US" sz="2200" spc="-1" strike="noStrike">
-                <a:solidFill>
-                  <a:schemeClr val="dk1">
-                    <a:lumMod val="75000"/>
-                    <a:lumOff val="25000"/>
-                  </a:schemeClr>
-                </a:solidFill>
-                <a:latin typeface="Calibri"/>
-                <a:ea typeface="Franklin Gothic Book"/>
-              </a:rPr>
-              <a:t>Users can forward suspicious messages, emails, or links to the agent, which will analyze them using up-to-date fraud databases and AI models to assess whether the source is trustworthy or a potential scam.</a:t>
-            </a:r>
-            <a:endParaRPr b="0" lang="en-IN" sz="2200" spc="-1" strike="noStrike">
+              <a:t>The Digital Financial Literacy AI Agent serves as a powerful and inclusive tool to bridge the financial knowledge gap across diverse user groups. </a:t>
+            </a:r>
+            <a:endParaRPr b="0" lang="en-IN" sz="2800" spc="-1" strike="noStrike">
               <a:solidFill>
                 <a:srgbClr val="000000"/>
               </a:solidFill>
@@ -10295,32 +10235,16 @@
               <a:buChar char=""/>
             </a:pPr>
             <a:r>
-              <a:rPr b="0" lang="en-US" sz="2800" spc="-1" strike="noStrike">
-                <a:solidFill>
-                  <a:schemeClr val="dk1">
-                    <a:lumMod val="75000"/>
-                    <a:lumOff val="25000"/>
-                  </a:schemeClr>
+              <a:rPr b="0" lang="en-IN" sz="2800" spc="-1" strike="noStrike">
+                <a:solidFill>
+                  <a:srgbClr val="404040"/>
                 </a:solidFill>
                 <a:latin typeface="Calibri"/>
-                <a:ea typeface="Franklin Gothic Book"/>
+                <a:ea typeface="Calibri"/>
               </a:rPr>
-              <a:t>Scam &amp; Phishing Verification Support : </a:t>
-            </a:r>
-            <a:r>
-              <a:rPr b="0" lang="en-US" sz="2200" spc="-1" strike="noStrike">
-                <a:solidFill>
-                  <a:schemeClr val="dk1">
-                    <a:lumMod val="75000"/>
-                    <a:lumOff val="25000"/>
-                  </a:schemeClr>
-                </a:solidFill>
-                <a:latin typeface="Calibri"/>
-                <a:ea typeface="Franklin Gothic Book"/>
-              </a:rPr>
-              <a:t>Users can forward suspicious messages, emails, or links to the agent, which will analyze them using up-to-date fraud databases and AI models to assess whether the source is trustworthy or a potential scam.</a:t>
-            </a:r>
-            <a:endParaRPr b="0" lang="en-IN" sz="2200" spc="-1" strike="noStrike">
+              <a:t>By offering multilingual support and simplified guidance on banking, budgeting, and safe digital transactions, it empowers individuals to make informed financial decisions. </a:t>
+            </a:r>
+            <a:endParaRPr b="0" lang="en-IN" sz="2800" spc="-1" strike="noStrike">
               <a:solidFill>
                 <a:srgbClr val="000000"/>
               </a:solidFill>
@@ -10346,105 +10270,16 @@
               <a:buChar char=""/>
             </a:pPr>
             <a:r>
-              <a:rPr b="0" lang="en-US" sz="2800" spc="-1" strike="noStrike">
-                <a:solidFill>
-                  <a:schemeClr val="dk1">
-                    <a:lumMod val="75000"/>
-                    <a:lumOff val="25000"/>
-                  </a:schemeClr>
+              <a:rPr b="0" lang="en-IN" sz="2800" spc="-1" strike="noStrike">
+                <a:solidFill>
+                  <a:srgbClr val="404040"/>
                 </a:solidFill>
                 <a:latin typeface="Calibri"/>
-                <a:ea typeface="Franklin Gothic Book"/>
+                <a:ea typeface="Calibri"/>
               </a:rPr>
-              <a:t>Integration with UPI Apps &amp; Banking API’s : </a:t>
-            </a:r>
-            <a:r>
-              <a:rPr b="0" lang="en-US" sz="2400" spc="-1" strike="noStrike">
-                <a:solidFill>
-                  <a:schemeClr val="dk1">
-                    <a:lumMod val="75000"/>
-                    <a:lumOff val="25000"/>
-                  </a:schemeClr>
-                </a:solidFill>
-                <a:latin typeface="Calibri"/>
-                <a:ea typeface="Franklin Gothic Book"/>
-              </a:rPr>
-              <a:t>Allow users to practice or simulate safe digital transactions via guided walkthrough or connect securely with UPI apps for real usage.</a:t>
-            </a:r>
-            <a:endParaRPr b="0" lang="en-IN" sz="2400" spc="-1" strike="noStrike">
-              <a:solidFill>
-                <a:srgbClr val="000000"/>
-              </a:solidFill>
-              <a:latin typeface="Arial"/>
-            </a:endParaRPr>
-          </a:p>
-          <a:p>
-            <a:pPr marL="305280" indent="0" defTabSz="457200">
-              <a:lnSpc>
-                <a:spcPct val="110000"/>
-              </a:lnSpc>
-              <a:spcBef>
-                <a:spcPts val="561"/>
-              </a:spcBef>
-              <a:spcAft>
-                <a:spcPts val="601"/>
-              </a:spcAft>
-              <a:buNone/>
-            </a:pPr>
+              <a:t>With its ability to identify scams, suggest schemes, and encourage responsible money management, this agent fosters financial confidence and digital trust, contributing to a more financially literate society.</a:t>
+            </a:r>
             <a:endParaRPr b="0" lang="en-IN" sz="2800" spc="-1" strike="noStrike">
-              <a:solidFill>
-                <a:srgbClr val="000000"/>
-              </a:solidFill>
-              <a:latin typeface="Arial"/>
-            </a:endParaRPr>
-          </a:p>
-        </p:txBody>
-      </p:sp>
-      <p:sp>
-        <p:nvSpPr>
-          <p:cNvPr id="163" name="Title 4"/>
-          <p:cNvSpPr/>
-          <p:nvPr/>
-        </p:nvSpPr>
-        <p:spPr>
-          <a:xfrm>
-            <a:off x="535680" y="844560"/>
-            <a:ext cx="11028960" cy="529560"/>
-          </a:xfrm>
-          <a:prstGeom prst="rect">
-            <a:avLst/>
-          </a:prstGeom>
-          <a:noFill/>
-          <a:ln w="0">
-            <a:noFill/>
-          </a:ln>
-        </p:spPr>
-        <p:style>
-          <a:lnRef idx="0"/>
-          <a:fillRef idx="0"/>
-          <a:effectRef idx="0"/>
-          <a:fontRef idx="minor"/>
-        </p:style>
-        <p:txBody>
-          <a:bodyPr lIns="90000" rIns="90000" tIns="45000" bIns="45000" anchor="b">
-            <a:normAutofit fontScale="68333"/>
-          </a:bodyPr>
-          <a:p>
-            <a:pPr defTabSz="457200">
-              <a:lnSpc>
-                <a:spcPct val="100000"/>
-              </a:lnSpc>
-            </a:pPr>
-            <a:r>
-              <a:rPr b="1" lang="en-US" sz="4400" spc="-1" strike="noStrike" cap="all">
-                <a:solidFill>
-                  <a:schemeClr val="accent1"/>
-                </a:solidFill>
-                <a:latin typeface="Arial"/>
-              </a:rPr>
-              <a:t>Future scope</a:t>
-            </a:r>
-            <a:endParaRPr b="0" lang="en-IN" sz="4400" spc="-1" strike="noStrike">
               <a:solidFill>
                 <a:srgbClr val="000000"/>
               </a:solidFill>
@@ -10485,7 +10320,7 @@
       </p:grpSpPr>
       <p:sp>
         <p:nvSpPr>
-          <p:cNvPr id="164" name="PlaceHolder 1"/>
+          <p:cNvPr id="163" name="PlaceHolder 1"/>
           <p:cNvSpPr>
             <a:spLocks noGrp="1"/>
           </p:cNvSpPr>
@@ -10496,7 +10331,7 @@
         <p:spPr>
           <a:xfrm>
             <a:off x="581040" y="702000"/>
-            <a:ext cx="11028960" cy="529560"/>
+            <a:ext cx="11027520" cy="528120"/>
           </a:xfrm>
           <a:prstGeom prst="rect">
             <a:avLst/>
@@ -10527,9 +10362,112 @@
                 </a:solidFill>
                 <a:latin typeface="Franklin Gothic Demi"/>
               </a:rPr>
-              <a:t>IBM Certifications</a:t>
+              <a:t>GitHub Link</a:t>
             </a:r>
             <a:endParaRPr b="0" lang="en-IN" sz="2800" spc="-1" strike="noStrike">
+              <a:solidFill>
+                <a:srgbClr val="000000"/>
+              </a:solidFill>
+              <a:latin typeface="Arial"/>
+            </a:endParaRPr>
+          </a:p>
+        </p:txBody>
+      </p:sp>
+      <p:sp>
+        <p:nvSpPr>
+          <p:cNvPr id="164" name="PlaceHolder 2"/>
+          <p:cNvSpPr>
+            <a:spLocks noGrp="1"/>
+          </p:cNvSpPr>
+          <p:nvPr>
+            <p:ph/>
+          </p:nvPr>
+        </p:nvSpPr>
+        <p:spPr>
+          <a:xfrm>
+            <a:off x="620640" y="1607400"/>
+            <a:ext cx="11027520" cy="1407240"/>
+          </a:xfrm>
+          <a:prstGeom prst="rect">
+            <a:avLst/>
+          </a:prstGeom>
+          <a:noFill/>
+          <a:ln w="0">
+            <a:noFill/>
+          </a:ln>
+        </p:spPr>
+        <p:txBody>
+          <a:bodyPr lIns="90000" rIns="90000" tIns="45000" bIns="45000" anchor="ctr">
+            <a:noAutofit/>
+          </a:bodyPr>
+          <a:p>
+            <a:pPr marL="306000" indent="-306000" defTabSz="457200">
+              <a:lnSpc>
+                <a:spcPct val="110000"/>
+              </a:lnSpc>
+              <a:spcBef>
+                <a:spcPts val="340"/>
+              </a:spcBef>
+              <a:spcAft>
+                <a:spcPts val="601"/>
+              </a:spcAft>
+              <a:buClr>
+                <a:srgbClr val="1cade4"/>
+              </a:buClr>
+              <a:buSzPct val="92000"/>
+              <a:buFont typeface="Wingdings 2" charset="2"/>
+              <a:buChar char=""/>
+            </a:pPr>
+            <a:r>
+              <a:rPr b="0" lang="en-IN" sz="1700" spc="-1" strike="noStrike">
+                <a:solidFill>
+                  <a:schemeClr val="dk1">
+                    <a:lumMod val="75000"/>
+                    <a:lumOff val="25000"/>
+                  </a:schemeClr>
+                </a:solidFill>
+                <a:latin typeface="Franklin Gothic Book"/>
+              </a:rPr>
+              <a:t> </a:t>
+            </a:r>
+            <a:r>
+              <a:rPr b="0" lang="en-IN" sz="2400" spc="-1" strike="noStrike" u="sng">
+                <a:solidFill>
+                  <a:schemeClr val="dk1">
+                    <a:lumMod val="75000"/>
+                    <a:lumOff val="25000"/>
+                  </a:schemeClr>
+                </a:solidFill>
+                <a:uFillTx/>
+                <a:latin typeface="Franklin Gothic Book"/>
+                <a:hlinkClick r:id="rId1"/>
+              </a:rPr>
+              <a:t>https://github.com/SouparnikaH/-AI-Agent-for-Digital-Financial-Literacy-.git</a:t>
+            </a:r>
+            <a:endParaRPr b="0" lang="en-IN" sz="2400" spc="-1" strike="noStrike">
+              <a:solidFill>
+                <a:srgbClr val="000000"/>
+              </a:solidFill>
+              <a:latin typeface="Arial"/>
+            </a:endParaRPr>
+          </a:p>
+          <a:p>
+            <a:pPr marL="306000" indent="0" defTabSz="457200">
+              <a:lnSpc>
+                <a:spcPct val="110000"/>
+              </a:lnSpc>
+              <a:spcBef>
+                <a:spcPts val="340"/>
+              </a:spcBef>
+              <a:spcAft>
+                <a:spcPts val="601"/>
+              </a:spcAft>
+              <a:buNone/>
+              <a:tabLst>
+                <a:tab algn="l" pos="0"/>
+              </a:tabLst>
+            </a:pPr>
+            <a:endParaRPr b="0" lang="en-IN" sz="1700" spc="-1" strike="noStrike">
               <a:solidFill>
                 <a:srgbClr val="000000"/>
               </a:solidFill>
@@ -10545,13 +10483,13 @@
           <p:nvPr/>
         </p:nvPicPr>
         <p:blipFill>
-          <a:blip r:embed="rId1"/>
+          <a:blip r:embed="rId2"/>
           <a:stretch/>
         </p:blipFill>
         <p:spPr>
           <a:xfrm>
-            <a:off x="4680000" y="1080000"/>
-            <a:ext cx="7092720" cy="5162040"/>
+            <a:off x="1701720" y="2664000"/>
+            <a:ext cx="8204040" cy="3684600"/>
           </a:xfrm>
           <a:prstGeom prst="rect">
             <a:avLst/>
@@ -10561,48 +10499,6 @@
           </a:ln>
         </p:spPr>
       </p:pic>
-      <p:sp>
-        <p:nvSpPr>
-          <p:cNvPr id="166" name=""/>
-          <p:cNvSpPr txBox="1"/>
-          <p:nvPr/>
-        </p:nvSpPr>
-        <p:spPr>
-          <a:xfrm>
-            <a:off x="720000" y="3420000"/>
-            <a:ext cx="3600000" cy="2700000"/>
-          </a:xfrm>
-          <a:prstGeom prst="rect">
-            <a:avLst/>
-          </a:prstGeom>
-          <a:noFill/>
-          <a:ln w="0">
-            <a:noFill/>
-          </a:ln>
-        </p:spPr>
-        <p:txBody>
-          <a:bodyPr lIns="90000" rIns="90000" tIns="45000" bIns="45000" anchor="t">
-            <a:noAutofit/>
-          </a:bodyPr>
-          <a:p>
-            <a:r>
-              <a:rPr b="0" lang="en-IN" sz="1800" spc="-1" strike="noStrike">
-                <a:solidFill>
-                  <a:srgbClr val="000000"/>
-                </a:solidFill>
-                <a:latin typeface="Arial"/>
-              </a:rPr>
-              <a:t>Getting Started With Artificial Intelligence</a:t>
-            </a:r>
-            <a:endParaRPr b="0" lang="en-IN" sz="1800" spc="-1" strike="noStrike">
-              <a:solidFill>
-                <a:srgbClr val="000000"/>
-              </a:solidFill>
-              <a:latin typeface="Arial"/>
-            </a:endParaRPr>
-          </a:p>
-        </p:txBody>
-      </p:sp>
     </p:spTree>
   </p:cSld>
   <mc:AlternateContent>
@@ -10635,14 +10531,219 @@
       </p:grpSpPr>
       <p:sp>
         <p:nvSpPr>
-          <p:cNvPr id="167" name="Rectangle 3"/>
+          <p:cNvPr id="166" name="PlaceHolder 1"/>
+          <p:cNvSpPr>
+            <a:spLocks noGrp="1"/>
+          </p:cNvSpPr>
+          <p:nvPr>
+            <p:ph/>
+          </p:nvPr>
+        </p:nvSpPr>
+        <p:spPr>
+          <a:xfrm>
+            <a:off x="690120" y="1599480"/>
+            <a:ext cx="11027520" cy="4671000"/>
+          </a:xfrm>
+          <a:prstGeom prst="rect">
+            <a:avLst/>
+          </a:prstGeom>
+          <a:noFill/>
+          <a:ln w="0">
+            <a:noFill/>
+          </a:ln>
+        </p:spPr>
+        <p:txBody>
+          <a:bodyPr lIns="90000" rIns="90000" tIns="45000" bIns="45000" anchor="ctr">
+            <a:noAutofit/>
+          </a:bodyPr>
+          <a:p>
+            <a:pPr marL="305280" indent="-305280" defTabSz="457200">
+              <a:lnSpc>
+                <a:spcPct val="110000"/>
+              </a:lnSpc>
+              <a:spcBef>
+                <a:spcPts val="561"/>
+              </a:spcBef>
+              <a:spcAft>
+                <a:spcPts val="601"/>
+              </a:spcAft>
+              <a:buClr>
+                <a:srgbClr val="1cade4"/>
+              </a:buClr>
+              <a:buSzPct val="92000"/>
+              <a:buFont typeface="Wingdings 2" charset="2"/>
+              <a:buChar char=""/>
+            </a:pPr>
+            <a:r>
+              <a:rPr b="0" lang="en-US" sz="2800" spc="-1" strike="noStrike">
+                <a:solidFill>
+                  <a:schemeClr val="dk1">
+                    <a:lumMod val="75000"/>
+                    <a:lumOff val="25000"/>
+                  </a:schemeClr>
+                </a:solidFill>
+                <a:latin typeface="Calibri"/>
+                <a:ea typeface="Franklin Gothic Book"/>
+              </a:rPr>
+              <a:t>Scam &amp; Phishing Verification Support : </a:t>
+            </a:r>
+            <a:r>
+              <a:rPr b="0" lang="en-US" sz="2200" spc="-1" strike="noStrike">
+                <a:solidFill>
+                  <a:schemeClr val="dk1">
+                    <a:lumMod val="75000"/>
+                    <a:lumOff val="25000"/>
+                  </a:schemeClr>
+                </a:solidFill>
+                <a:latin typeface="Calibri"/>
+                <a:ea typeface="Franklin Gothic Book"/>
+              </a:rPr>
+              <a:t>Users can forward suspicious messages, emails, or links to the agent, which will analyze them using up-to-date fraud databases and AI models to assess whether the source is trustworthy or a potential scam.</a:t>
+            </a:r>
+            <a:endParaRPr b="0" lang="en-IN" sz="2200" spc="-1" strike="noStrike">
+              <a:solidFill>
+                <a:srgbClr val="000000"/>
+              </a:solidFill>
+              <a:latin typeface="Arial"/>
+            </a:endParaRPr>
+          </a:p>
+          <a:p>
+            <a:pPr marL="305280" indent="-305280" defTabSz="457200">
+              <a:lnSpc>
+                <a:spcPct val="110000"/>
+              </a:lnSpc>
+              <a:spcBef>
+                <a:spcPts val="561"/>
+              </a:spcBef>
+              <a:spcAft>
+                <a:spcPts val="601"/>
+              </a:spcAft>
+              <a:buClr>
+                <a:srgbClr val="1cade4"/>
+              </a:buClr>
+              <a:buSzPct val="92000"/>
+              <a:buFont typeface="Wingdings 2" charset="2"/>
+              <a:buChar char=""/>
+            </a:pPr>
+            <a:r>
+              <a:rPr b="0" lang="en-US" sz="2800" spc="-1" strike="noStrike">
+                <a:solidFill>
+                  <a:schemeClr val="dk1">
+                    <a:lumMod val="75000"/>
+                    <a:lumOff val="25000"/>
+                  </a:schemeClr>
+                </a:solidFill>
+                <a:latin typeface="Calibri"/>
+                <a:ea typeface="Franklin Gothic Book"/>
+              </a:rPr>
+              <a:t>Scam &amp; Phishing Verification Support : </a:t>
+            </a:r>
+            <a:r>
+              <a:rPr b="0" lang="en-US" sz="2200" spc="-1" strike="noStrike">
+                <a:solidFill>
+                  <a:schemeClr val="dk1">
+                    <a:lumMod val="75000"/>
+                    <a:lumOff val="25000"/>
+                  </a:schemeClr>
+                </a:solidFill>
+                <a:latin typeface="Calibri"/>
+                <a:ea typeface="Franklin Gothic Book"/>
+              </a:rPr>
+              <a:t>Users can forward suspicious messages, emails, or links to the agent, which will analyze them using up-to-date fraud databases and AI models to assess whether the source is trustworthy or a potential scam.</a:t>
+            </a:r>
+            <a:endParaRPr b="0" lang="en-IN" sz="2200" spc="-1" strike="noStrike">
+              <a:solidFill>
+                <a:srgbClr val="000000"/>
+              </a:solidFill>
+              <a:latin typeface="Arial"/>
+            </a:endParaRPr>
+          </a:p>
+          <a:p>
+            <a:pPr marL="305280" indent="-305280" defTabSz="457200">
+              <a:lnSpc>
+                <a:spcPct val="110000"/>
+              </a:lnSpc>
+              <a:spcBef>
+                <a:spcPts val="561"/>
+              </a:spcBef>
+              <a:spcAft>
+                <a:spcPts val="601"/>
+              </a:spcAft>
+              <a:buClr>
+                <a:srgbClr val="1cade4"/>
+              </a:buClr>
+              <a:buSzPct val="92000"/>
+              <a:buFont typeface="Wingdings 2" charset="2"/>
+              <a:buChar char=""/>
+            </a:pPr>
+            <a:r>
+              <a:rPr b="0" lang="en-US" sz="2800" spc="-1" strike="noStrike">
+                <a:solidFill>
+                  <a:schemeClr val="dk1">
+                    <a:lumMod val="75000"/>
+                    <a:lumOff val="25000"/>
+                  </a:schemeClr>
+                </a:solidFill>
+                <a:latin typeface="Calibri"/>
+                <a:ea typeface="Franklin Gothic Book"/>
+              </a:rPr>
+              <a:t>Integration with UPI Apps &amp; Banking API’s : </a:t>
+            </a:r>
+            <a:r>
+              <a:rPr b="0" lang="en-US" sz="2400" spc="-1" strike="noStrike">
+                <a:solidFill>
+                  <a:schemeClr val="dk1">
+                    <a:lumMod val="75000"/>
+                    <a:lumOff val="25000"/>
+                  </a:schemeClr>
+                </a:solidFill>
+                <a:latin typeface="Calibri"/>
+                <a:ea typeface="Franklin Gothic Book"/>
+              </a:rPr>
+              <a:t>Allow users to practice or simulate safe digital transactions via guided walkthrough or connect securely with UPI apps for real usage.</a:t>
+            </a:r>
+            <a:endParaRPr b="0" lang="en-IN" sz="2400" spc="-1" strike="noStrike">
+              <a:solidFill>
+                <a:srgbClr val="000000"/>
+              </a:solidFill>
+              <a:latin typeface="Arial"/>
+            </a:endParaRPr>
+          </a:p>
+          <a:p>
+            <a:pPr marL="305280" indent="0" defTabSz="457200">
+              <a:lnSpc>
+                <a:spcPct val="110000"/>
+              </a:lnSpc>
+              <a:spcBef>
+                <a:spcPts val="561"/>
+              </a:spcBef>
+              <a:spcAft>
+                <a:spcPts val="601"/>
+              </a:spcAft>
+              <a:buNone/>
+              <a:tabLst>
+                <a:tab algn="l" pos="0"/>
+              </a:tabLst>
+            </a:pPr>
+            <a:endParaRPr b="0" lang="en-IN" sz="2800" spc="-1" strike="noStrike">
+              <a:solidFill>
+                <a:srgbClr val="000000"/>
+              </a:solidFill>
+              <a:latin typeface="Arial"/>
+            </a:endParaRPr>
+          </a:p>
+        </p:txBody>
+      </p:sp>
+      <p:sp>
+        <p:nvSpPr>
+          <p:cNvPr id="167" name="Title 4"/>
           <p:cNvSpPr/>
           <p:nvPr/>
         </p:nvSpPr>
         <p:spPr>
           <a:xfrm>
-            <a:off x="433440" y="3031920"/>
-            <a:ext cx="3724200" cy="363960"/>
+            <a:off x="535680" y="844560"/>
+            <a:ext cx="11027520" cy="528120"/>
           </a:xfrm>
           <a:prstGeom prst="rect">
             <a:avLst/>
@@ -10659,81 +10760,25 @@
           <a:fontRef idx="minor"/>
         </p:style>
         <p:txBody>
-          <a:bodyPr wrap="none" lIns="90000" rIns="90000" tIns="45000" bIns="45000" anchor="t">
-            <a:spAutoFit/>
-          </a:bodyPr>
-          <a:p>
-            <a:pPr defTabSz="914400">
+          <a:bodyPr lIns="90000" rIns="90000" tIns="45000" bIns="45000" anchor="b">
+            <a:normAutofit fontScale="75000" lnSpcReduction="10000"/>
+          </a:bodyPr>
+          <a:p>
+            <a:pPr defTabSz="457200">
               <a:lnSpc>
                 <a:spcPct val="100000"/>
               </a:lnSpc>
             </a:pPr>
-            <a:endParaRPr b="0" lang="en-IN" sz="1800" spc="-1" strike="noStrike">
-              <a:solidFill>
-                <a:srgbClr val="000000"/>
-              </a:solidFill>
-              <a:latin typeface="Arial"/>
-            </a:endParaRPr>
-          </a:p>
-        </p:txBody>
-      </p:sp>
-      <p:pic>
-        <p:nvPicPr>
-          <p:cNvPr id="168" name="" descr=""/>
-          <p:cNvPicPr/>
-          <p:nvPr/>
-        </p:nvPicPr>
-        <p:blipFill>
-          <a:blip r:embed="rId1"/>
-          <a:stretch/>
-        </p:blipFill>
-        <p:spPr>
-          <a:xfrm>
-            <a:off x="3780000" y="1260000"/>
-            <a:ext cx="7899120" cy="4870080"/>
-          </a:xfrm>
-          <a:prstGeom prst="rect">
-            <a:avLst/>
-          </a:prstGeom>
-          <a:ln w="0">
-            <a:noFill/>
-          </a:ln>
-        </p:spPr>
-      </p:pic>
-      <p:sp>
-        <p:nvSpPr>
-          <p:cNvPr id="169" name=""/>
-          <p:cNvSpPr txBox="1"/>
-          <p:nvPr/>
-        </p:nvSpPr>
-        <p:spPr>
-          <a:xfrm>
-            <a:off x="900000" y="2160000"/>
-            <a:ext cx="2340000" cy="1620000"/>
-          </a:xfrm>
-          <a:prstGeom prst="rect">
-            <a:avLst/>
-          </a:prstGeom>
-          <a:noFill/>
-          <a:ln w="0">
-            <a:noFill/>
-          </a:ln>
-        </p:spPr>
-        <p:txBody>
-          <a:bodyPr lIns="90000" rIns="90000" tIns="45000" bIns="45000" anchor="t">
-            <a:noAutofit/>
-          </a:bodyPr>
-          <a:p>
-            <a:r>
-              <a:rPr b="0" lang="en-IN" sz="1800" spc="-1" strike="noStrike">
-                <a:solidFill>
-                  <a:srgbClr val="000000"/>
+            <a:r>
+              <a:rPr b="1" lang="en-US" sz="4400" spc="-1" strike="noStrike" cap="all">
+                <a:solidFill>
+                  <a:schemeClr val="accent1"/>
                 </a:solidFill>
                 <a:latin typeface="Arial"/>
               </a:rPr>
-              <a:t>RAG : Retrival Augmented Generation with LangChain</a:t>
-            </a:r>
-            <a:endParaRPr b="0" lang="en-IN" sz="1800" spc="-1" strike="noStrike">
+              <a:t>Future scope</a:t>
+            </a:r>
+            <a:endParaRPr b="0" lang="en-IN" sz="4400" spc="-1" strike="noStrike">
               <a:solidFill>
                 <a:srgbClr val="000000"/>
               </a:solidFill>
@@ -10774,7 +10819,7 @@
       </p:grpSpPr>
       <p:sp>
         <p:nvSpPr>
-          <p:cNvPr id="170" name="PlaceHolder 1"/>
+          <p:cNvPr id="168" name="PlaceHolder 1"/>
           <p:cNvSpPr>
             <a:spLocks noGrp="1"/>
           </p:cNvSpPr>
@@ -10784,23 +10829,23 @@
         </p:nvSpPr>
         <p:spPr>
           <a:xfrm>
-            <a:off x="1463040" y="2766240"/>
-            <a:ext cx="9298080" cy="1324800"/>
-          </a:xfrm>
-          <a:prstGeom prst="rect">
-            <a:avLst/>
-          </a:prstGeom>
-          <a:noFill/>
-          <a:ln w="0">
-            <a:noFill/>
-          </a:ln>
-        </p:spPr>
-        <p:txBody>
-          <a:bodyPr lIns="0" rIns="0" tIns="0" bIns="0" anchor="b">
+            <a:off x="581040" y="702000"/>
+            <a:ext cx="11027520" cy="528120"/>
+          </a:xfrm>
+          <a:prstGeom prst="rect">
+            <a:avLst/>
+          </a:prstGeom>
+          <a:noFill/>
+          <a:ln w="0">
+            <a:noFill/>
+          </a:ln>
+        </p:spPr>
+        <p:txBody>
+          <a:bodyPr lIns="90000" rIns="90000" tIns="45000" bIns="45000" anchor="b">
             <a:noAutofit/>
           </a:bodyPr>
           <a:p>
-            <a:pPr indent="0" algn="ctr" defTabSz="457200">
+            <a:pPr indent="0" defTabSz="457200">
               <a:lnSpc>
                 <a:spcPct val="100000"/>
               </a:lnSpc>
@@ -10810,15 +10855,402 @@
               </a:tabLst>
             </a:pPr>
             <a:r>
-              <a:rPr b="1" lang="en-US" sz="2800" spc="-1" strike="noStrike" cap="all">
-                <a:solidFill>
-                  <a:srgbClr val="002060"/>
+              <a:rPr b="0" lang="en-IN" sz="2800" spc="-1" strike="noStrike" cap="all">
+                <a:solidFill>
+                  <a:schemeClr val="accent1"/>
+                </a:solidFill>
+                <a:latin typeface="Franklin Gothic Demi"/>
+              </a:rPr>
+              <a:t>IBM Certifications</a:t>
+            </a:r>
+            <a:endParaRPr b="0" lang="en-IN" sz="2800" spc="-1" strike="noStrike">
+              <a:solidFill>
+                <a:srgbClr val="000000"/>
+              </a:solidFill>
+              <a:latin typeface="Arial"/>
+            </a:endParaRPr>
+          </a:p>
+        </p:txBody>
+      </p:sp>
+      <p:pic>
+        <p:nvPicPr>
+          <p:cNvPr id="169" name="" descr=""/>
+          <p:cNvPicPr/>
+          <p:nvPr/>
+        </p:nvPicPr>
+        <p:blipFill>
+          <a:blip r:embed="rId1"/>
+          <a:stretch/>
+        </p:blipFill>
+        <p:spPr>
+          <a:xfrm>
+            <a:off x="4680000" y="1080000"/>
+            <a:ext cx="7091280" cy="5160600"/>
+          </a:xfrm>
+          <a:prstGeom prst="rect">
+            <a:avLst/>
+          </a:prstGeom>
+          <a:ln w="0">
+            <a:noFill/>
+          </a:ln>
+        </p:spPr>
+      </p:pic>
+      <p:sp>
+        <p:nvSpPr>
+          <p:cNvPr id="170" name=""/>
+          <p:cNvSpPr/>
+          <p:nvPr/>
+        </p:nvSpPr>
+        <p:spPr>
+          <a:xfrm>
+            <a:off x="720000" y="3420000"/>
+            <a:ext cx="3598560" cy="2698560"/>
+          </a:xfrm>
+          <a:prstGeom prst="rect">
+            <a:avLst/>
+          </a:prstGeom>
+          <a:noFill/>
+          <a:ln w="0">
+            <a:noFill/>
+          </a:ln>
+        </p:spPr>
+        <p:style>
+          <a:lnRef idx="0"/>
+          <a:fillRef idx="0"/>
+          <a:effectRef idx="0"/>
+          <a:fontRef idx="minor"/>
+        </p:style>
+        <p:txBody>
+          <a:bodyPr lIns="90000" rIns="90000" tIns="45000" bIns="45000" anchor="t">
+            <a:noAutofit/>
+          </a:bodyPr>
+          <a:p>
+            <a:pPr>
+              <a:lnSpc>
+                <a:spcPct val="100000"/>
+              </a:lnSpc>
+            </a:pPr>
+            <a:r>
+              <a:rPr b="0" lang="en-IN" sz="1800" spc="-1" strike="noStrike">
+                <a:solidFill>
+                  <a:srgbClr val="000000"/>
                 </a:solidFill>
                 <a:latin typeface="Arial"/>
               </a:rPr>
-              <a:t>THANK YOU</a:t>
+              <a:t>Getting Started With Artificial Intelligence</a:t>
+            </a:r>
+            <a:endParaRPr b="0" lang="en-IN" sz="1800" spc="-1" strike="noStrike">
+              <a:solidFill>
+                <a:srgbClr val="000000"/>
+              </a:solidFill>
+              <a:latin typeface="Arial"/>
+            </a:endParaRPr>
+          </a:p>
+        </p:txBody>
+      </p:sp>
+    </p:spTree>
+  </p:cSld>
+  <mc:AlternateContent>
+    <mc:Choice Requires="p14">
+      <p:transition spd="slow" p14:dur="2000"/>
+    </mc:Choice>
+    <mc:Fallback>
+      <p:transition spd="slow"/>
+    </mc:Fallback>
+  </mc:AlternateContent>
+</p:sld>
+</file>
+
+<file path=ppt/slides/slide18.xml><?xml version="1.0" encoding="utf-8"?>
+<p:sld xmlns:a="http://schemas.openxmlformats.org/drawingml/2006/main" xmlns:p="http://schemas.openxmlformats.org/presentationml/2006/main" xmlns:r="http://schemas.openxmlformats.org/officeDocument/2006/relationships" xmlns:p14="http://schemas.microsoft.com/office/powerpoint/2010/main" xmlns:p15="http://schemas.microsoft.com/office/powerpoint/2012/main" xmlns:mc="http://schemas.openxmlformats.org/markup-compatibility/2006">
+  <p:cSld>
+    <p:spTree>
+      <p:nvGrpSpPr>
+        <p:cNvPr id="1" name=""/>
+        <p:cNvGrpSpPr/>
+        <p:nvPr/>
+      </p:nvGrpSpPr>
+      <p:grpSpPr>
+        <a:xfrm>
+          <a:off x="0" y="0"/>
+          <a:ext cx="0" cy="0"/>
+          <a:chOff x="0" y="0"/>
+          <a:chExt cx="0" cy="0"/>
+        </a:xfrm>
+      </p:grpSpPr>
+      <p:sp>
+        <p:nvSpPr>
+          <p:cNvPr id="171" name="PlaceHolder 1"/>
+          <p:cNvSpPr>
+            <a:spLocks noGrp="1"/>
+          </p:cNvSpPr>
+          <p:nvPr>
+            <p:ph type="title"/>
+          </p:nvPr>
+        </p:nvSpPr>
+        <p:spPr>
+          <a:xfrm>
+            <a:off x="581040" y="702000"/>
+            <a:ext cx="11027520" cy="528120"/>
+          </a:xfrm>
+          <a:prstGeom prst="rect">
+            <a:avLst/>
+          </a:prstGeom>
+          <a:noFill/>
+          <a:ln w="0">
+            <a:noFill/>
+          </a:ln>
+        </p:spPr>
+        <p:txBody>
+          <a:bodyPr lIns="90000" rIns="90000" tIns="45000" bIns="45000" anchor="b">
+            <a:noAutofit/>
+          </a:bodyPr>
+          <a:p>
+            <a:pPr indent="0" defTabSz="457200">
+              <a:lnSpc>
+                <a:spcPct val="100000"/>
+              </a:lnSpc>
+              <a:buNone/>
+              <a:tabLst>
+                <a:tab algn="l" pos="0"/>
+              </a:tabLst>
+            </a:pPr>
+            <a:r>
+              <a:rPr b="0" lang="en-IN" sz="2800" spc="-1" strike="noStrike" cap="all">
+                <a:solidFill>
+                  <a:schemeClr val="accent1"/>
+                </a:solidFill>
+                <a:latin typeface="Franklin Gothic Demi"/>
+              </a:rPr>
+              <a:t>IBM Certifications</a:t>
             </a:r>
             <a:endParaRPr b="0" lang="en-IN" sz="2800" spc="-1" strike="noStrike">
+              <a:solidFill>
+                <a:srgbClr val="000000"/>
+              </a:solidFill>
+              <a:latin typeface="Arial"/>
+            </a:endParaRPr>
+          </a:p>
+        </p:txBody>
+      </p:sp>
+      <p:sp>
+        <p:nvSpPr>
+          <p:cNvPr id="172" name=""/>
+          <p:cNvSpPr/>
+          <p:nvPr/>
+        </p:nvSpPr>
+        <p:spPr>
+          <a:xfrm>
+            <a:off x="720000" y="3420000"/>
+            <a:ext cx="3598560" cy="2698560"/>
+          </a:xfrm>
+          <a:prstGeom prst="rect">
+            <a:avLst/>
+          </a:prstGeom>
+          <a:noFill/>
+          <a:ln w="0">
+            <a:noFill/>
+          </a:ln>
+        </p:spPr>
+        <p:style>
+          <a:lnRef idx="0"/>
+          <a:fillRef idx="0"/>
+          <a:effectRef idx="0"/>
+          <a:fontRef idx="minor"/>
+        </p:style>
+        <p:txBody>
+          <a:bodyPr lIns="90000" rIns="90000" tIns="45000" bIns="45000" anchor="t">
+            <a:noAutofit/>
+          </a:bodyPr>
+          <a:p>
+            <a:pPr>
+              <a:lnSpc>
+                <a:spcPct val="100000"/>
+              </a:lnSpc>
+            </a:pPr>
+            <a:r>
+              <a:rPr b="0" lang="en-IN" sz="1800" spc="-1" strike="noStrike">
+                <a:solidFill>
+                  <a:srgbClr val="000000"/>
+                </a:solidFill>
+                <a:latin typeface="Arial"/>
+              </a:rPr>
+              <a:t>Journey to Cloud: Envisioning Your Solution</a:t>
+            </a:r>
+            <a:endParaRPr b="0" lang="en-IN" sz="1800" spc="-1" strike="noStrike">
+              <a:solidFill>
+                <a:srgbClr val="000000"/>
+              </a:solidFill>
+              <a:latin typeface="Arial"/>
+            </a:endParaRPr>
+          </a:p>
+        </p:txBody>
+      </p:sp>
+      <p:pic>
+        <p:nvPicPr>
+          <p:cNvPr id="173" name="" descr=""/>
+          <p:cNvPicPr/>
+          <p:nvPr/>
+        </p:nvPicPr>
+        <p:blipFill>
+          <a:blip r:embed="rId1"/>
+          <a:stretch/>
+        </p:blipFill>
+        <p:spPr>
+          <a:xfrm>
+            <a:off x="4680000" y="1230840"/>
+            <a:ext cx="6920280" cy="5148720"/>
+          </a:xfrm>
+          <a:prstGeom prst="rect">
+            <a:avLst/>
+          </a:prstGeom>
+          <a:ln w="0">
+            <a:noFill/>
+          </a:ln>
+        </p:spPr>
+      </p:pic>
+    </p:spTree>
+  </p:cSld>
+  <mc:AlternateContent>
+    <mc:Choice Requires="p14">
+      <p:transition spd="slow" p14:dur="2000"/>
+    </mc:Choice>
+    <mc:Fallback>
+      <p:transition spd="slow"/>
+    </mc:Fallback>
+  </mc:AlternateContent>
+</p:sld>
+</file>
+
+<file path=ppt/slides/slide19.xml><?xml version="1.0" encoding="utf-8"?>
+<p:sld xmlns:a="http://schemas.openxmlformats.org/drawingml/2006/main" xmlns:p="http://schemas.openxmlformats.org/presentationml/2006/main" xmlns:r="http://schemas.openxmlformats.org/officeDocument/2006/relationships" xmlns:p14="http://schemas.microsoft.com/office/powerpoint/2010/main" xmlns:p15="http://schemas.microsoft.com/office/powerpoint/2012/main" xmlns:mc="http://schemas.openxmlformats.org/markup-compatibility/2006">
+  <p:cSld>
+    <p:spTree>
+      <p:nvGrpSpPr>
+        <p:cNvPr id="1" name=""/>
+        <p:cNvGrpSpPr/>
+        <p:nvPr/>
+      </p:nvGrpSpPr>
+      <p:grpSpPr>
+        <a:xfrm>
+          <a:off x="0" y="0"/>
+          <a:ext cx="0" cy="0"/>
+          <a:chOff x="0" y="0"/>
+          <a:chExt cx="0" cy="0"/>
+        </a:xfrm>
+      </p:grpSpPr>
+      <p:sp>
+        <p:nvSpPr>
+          <p:cNvPr id="174" name="Rectangle 3"/>
+          <p:cNvSpPr/>
+          <p:nvPr/>
+        </p:nvSpPr>
+        <p:spPr>
+          <a:xfrm>
+            <a:off x="433440" y="3031920"/>
+            <a:ext cx="3722760" cy="362520"/>
+          </a:xfrm>
+          <a:prstGeom prst="rect">
+            <a:avLst/>
+          </a:prstGeom>
+          <a:noFill/>
+          <a:ln w="0">
+            <a:noFill/>
+          </a:ln>
+        </p:spPr>
+        <p:style>
+          <a:lnRef idx="0"/>
+          <a:fillRef idx="0"/>
+          <a:effectRef idx="0"/>
+          <a:fontRef idx="minor"/>
+        </p:style>
+        <p:txBody>
+          <a:bodyPr wrap="none" lIns="90000" rIns="90000" tIns="45000" bIns="45000" anchor="t">
+            <a:spAutoFit/>
+          </a:bodyPr>
+          <a:p>
+            <a:pPr defTabSz="914400">
+              <a:lnSpc>
+                <a:spcPct val="100000"/>
+              </a:lnSpc>
+            </a:pPr>
+            <a:endParaRPr b="0" lang="en-IN" sz="1800" spc="-1" strike="noStrike">
+              <a:solidFill>
+                <a:srgbClr val="000000"/>
+              </a:solidFill>
+              <a:latin typeface="Arial"/>
+            </a:endParaRPr>
+          </a:p>
+        </p:txBody>
+      </p:sp>
+      <p:pic>
+        <p:nvPicPr>
+          <p:cNvPr id="175" name="" descr=""/>
+          <p:cNvPicPr/>
+          <p:nvPr/>
+        </p:nvPicPr>
+        <p:blipFill>
+          <a:blip r:embed="rId1"/>
+          <a:stretch/>
+        </p:blipFill>
+        <p:spPr>
+          <a:xfrm>
+            <a:off x="3780000" y="1260000"/>
+            <a:ext cx="7897680" cy="4868640"/>
+          </a:xfrm>
+          <a:prstGeom prst="rect">
+            <a:avLst/>
+          </a:prstGeom>
+          <a:ln w="0">
+            <a:noFill/>
+          </a:ln>
+        </p:spPr>
+      </p:pic>
+      <p:sp>
+        <p:nvSpPr>
+          <p:cNvPr id="176" name=""/>
+          <p:cNvSpPr/>
+          <p:nvPr/>
+        </p:nvSpPr>
+        <p:spPr>
+          <a:xfrm>
+            <a:off x="900000" y="2160000"/>
+            <a:ext cx="2338560" cy="1618560"/>
+          </a:xfrm>
+          <a:prstGeom prst="rect">
+            <a:avLst/>
+          </a:prstGeom>
+          <a:noFill/>
+          <a:ln w="0">
+            <a:noFill/>
+          </a:ln>
+        </p:spPr>
+        <p:style>
+          <a:lnRef idx="0"/>
+          <a:fillRef idx="0"/>
+          <a:effectRef idx="0"/>
+          <a:fontRef idx="minor"/>
+        </p:style>
+        <p:txBody>
+          <a:bodyPr lIns="90000" rIns="90000" tIns="45000" bIns="45000" anchor="t">
+            <a:noAutofit/>
+          </a:bodyPr>
+          <a:p>
+            <a:pPr>
+              <a:lnSpc>
+                <a:spcPct val="100000"/>
+              </a:lnSpc>
+            </a:pPr>
+            <a:r>
+              <a:rPr b="0" lang="en-IN" sz="1800" spc="-1" strike="noStrike">
+                <a:solidFill>
+                  <a:srgbClr val="000000"/>
+                </a:solidFill>
+                <a:latin typeface="Arial"/>
+              </a:rPr>
+              <a:t>RAG : Retrival Augmented Generation with LangChain</a:t>
+            </a:r>
+            <a:endParaRPr b="0" lang="en-IN" sz="1800" spc="-1" strike="noStrike">
               <a:solidFill>
                 <a:srgbClr val="000000"/>
               </a:solidFill>
@@ -10870,7 +11302,7 @@
         <p:spPr>
           <a:xfrm>
             <a:off x="849600" y="558360"/>
-            <a:ext cx="10514880" cy="1324800"/>
+            <a:ext cx="10513440" cy="1323360"/>
           </a:xfrm>
           <a:prstGeom prst="rect">
             <a:avLst/>
@@ -10925,7 +11357,7 @@
         <p:spPr>
           <a:xfrm>
             <a:off x="838080" y="1618920"/>
-            <a:ext cx="11018160" cy="5238360"/>
+            <a:ext cx="11016720" cy="5236920"/>
           </a:xfrm>
           <a:prstGeom prst="rect">
             <a:avLst/>
@@ -11384,6 +11816,91 @@
               </a:tabLst>
             </a:pPr>
             <a:endParaRPr b="0" lang="en-IN" sz="1700" spc="-1" strike="noStrike">
+              <a:solidFill>
+                <a:srgbClr val="000000"/>
+              </a:solidFill>
+              <a:latin typeface="Arial"/>
+            </a:endParaRPr>
+          </a:p>
+        </p:txBody>
+      </p:sp>
+    </p:spTree>
+  </p:cSld>
+  <mc:AlternateContent>
+    <mc:Choice Requires="p14">
+      <p:transition spd="slow" p14:dur="2000"/>
+    </mc:Choice>
+    <mc:Fallback>
+      <p:transition spd="slow"/>
+    </mc:Fallback>
+  </mc:AlternateContent>
+</p:sld>
+</file>
+
+<file path=ppt/slides/slide20.xml><?xml version="1.0" encoding="utf-8"?>
+<p:sld xmlns:a="http://schemas.openxmlformats.org/drawingml/2006/main" xmlns:p="http://schemas.openxmlformats.org/presentationml/2006/main" xmlns:r="http://schemas.openxmlformats.org/officeDocument/2006/relationships" xmlns:p14="http://schemas.microsoft.com/office/powerpoint/2010/main" xmlns:p15="http://schemas.microsoft.com/office/powerpoint/2012/main" xmlns:mc="http://schemas.openxmlformats.org/markup-compatibility/2006">
+  <p:cSld>
+    <p:spTree>
+      <p:nvGrpSpPr>
+        <p:cNvPr id="1" name=""/>
+        <p:cNvGrpSpPr/>
+        <p:nvPr/>
+      </p:nvGrpSpPr>
+      <p:grpSpPr>
+        <a:xfrm>
+          <a:off x="0" y="0"/>
+          <a:ext cx="0" cy="0"/>
+          <a:chOff x="0" y="0"/>
+          <a:chExt cx="0" cy="0"/>
+        </a:xfrm>
+      </p:grpSpPr>
+      <p:sp>
+        <p:nvSpPr>
+          <p:cNvPr id="177" name="PlaceHolder 1"/>
+          <p:cNvSpPr>
+            <a:spLocks noGrp="1"/>
+          </p:cNvSpPr>
+          <p:nvPr>
+            <p:ph type="title"/>
+          </p:nvPr>
+        </p:nvSpPr>
+        <p:spPr>
+          <a:xfrm>
+            <a:off x="1463040" y="2766240"/>
+            <a:ext cx="9296640" cy="1323360"/>
+          </a:xfrm>
+          <a:prstGeom prst="rect">
+            <a:avLst/>
+          </a:prstGeom>
+          <a:noFill/>
+          <a:ln w="0">
+            <a:noFill/>
+          </a:ln>
+        </p:spPr>
+        <p:txBody>
+          <a:bodyPr lIns="0" rIns="0" tIns="0" bIns="0" anchor="b">
+            <a:noAutofit/>
+          </a:bodyPr>
+          <a:p>
+            <a:pPr indent="0" algn="ctr" defTabSz="457200">
+              <a:lnSpc>
+                <a:spcPct val="100000"/>
+              </a:lnSpc>
+              <a:buNone/>
+              <a:tabLst>
+                <a:tab algn="l" pos="0"/>
+              </a:tabLst>
+            </a:pPr>
+            <a:r>
+              <a:rPr b="1" lang="en-US" sz="2800" spc="-1" strike="noStrike" cap="all">
+                <a:solidFill>
+                  <a:srgbClr val="002060"/>
+                </a:solidFill>
+                <a:latin typeface="Arial"/>
+              </a:rPr>
+              <a:t>THANK YOU</a:t>
+            </a:r>
+            <a:endParaRPr b="0" lang="en-IN" sz="2800" spc="-1" strike="noStrike">
               <a:solidFill>
                 <a:srgbClr val="000000"/>
               </a:solidFill>
@@ -11435,7 +11952,7 @@
         <p:spPr>
           <a:xfrm>
             <a:off x="581040" y="702000"/>
-            <a:ext cx="11028960" cy="529560"/>
+            <a:ext cx="11027520" cy="528120"/>
           </a:xfrm>
           <a:prstGeom prst="rect">
             <a:avLst/>
@@ -11447,7 +11964,7 @@
         </p:spPr>
         <p:txBody>
           <a:bodyPr lIns="90000" rIns="90000" tIns="45000" bIns="45000" anchor="b">
-            <a:normAutofit fontScale="68333"/>
+            <a:normAutofit fontScale="75000" lnSpcReduction="10000"/>
           </a:bodyPr>
           <a:p>
             <a:pPr indent="0" defTabSz="457200">
@@ -11480,28 +11997,38 @@
       <p:sp>
         <p:nvSpPr>
           <p:cNvPr id="140" name=""/>
-          <p:cNvSpPr txBox="1"/>
+          <p:cNvSpPr/>
           <p:nvPr/>
         </p:nvSpPr>
         <p:spPr>
           <a:xfrm>
             <a:off x="720000" y="1440000"/>
-            <a:ext cx="11340000" cy="5220000"/>
-          </a:xfrm>
-          <a:prstGeom prst="rect">
-            <a:avLst/>
-          </a:prstGeom>
-          <a:noFill/>
-          <a:ln w="0">
-            <a:noFill/>
-          </a:ln>
-        </p:spPr>
+            <a:ext cx="11338560" cy="5218560"/>
+          </a:xfrm>
+          <a:prstGeom prst="rect">
+            <a:avLst/>
+          </a:prstGeom>
+          <a:noFill/>
+          <a:ln w="0">
+            <a:noFill/>
+          </a:ln>
+        </p:spPr>
+        <p:style>
+          <a:lnRef idx="0"/>
+          <a:fillRef idx="0"/>
+          <a:effectRef idx="0"/>
+          <a:fontRef idx="minor"/>
+        </p:style>
         <p:txBody>
           <a:bodyPr lIns="90000" rIns="90000" tIns="45000" bIns="45000" anchor="t">
             <a:noAutofit/>
           </a:bodyPr>
           <a:p>
-            <a:pPr algn="just"/>
+            <a:pPr algn="just">
+              <a:lnSpc>
+                <a:spcPct val="100000"/>
+              </a:lnSpc>
+            </a:pPr>
             <a:r>
               <a:rPr b="1" lang="en-US" sz="2800" spc="-1" strike="noStrike">
                 <a:solidFill>
@@ -11523,7 +12050,11 @@
             </a:endParaRPr>
           </a:p>
           <a:p>
-            <a:pPr algn="just"/>
+            <a:pPr algn="just">
+              <a:lnSpc>
+                <a:spcPct val="100000"/>
+              </a:lnSpc>
+            </a:pPr>
             <a:r>
               <a:rPr b="0" lang="en-US" sz="2800" spc="-1" strike="noStrike">
                 <a:solidFill>
@@ -11558,7 +12089,11 @@
             </a:endParaRPr>
           </a:p>
           <a:p>
-            <a:pPr algn="just"/>
+            <a:pPr algn="just">
+              <a:lnSpc>
+                <a:spcPct val="100000"/>
+              </a:lnSpc>
+            </a:pPr>
             <a:endParaRPr b="0" lang="en-IN" sz="2800" spc="-1" strike="noStrike">
               <a:solidFill>
                 <a:srgbClr val="000000"/>
@@ -11567,7 +12102,11 @@
             </a:endParaRPr>
           </a:p>
           <a:p>
-            <a:pPr algn="just"/>
+            <a:pPr algn="just">
+              <a:lnSpc>
+                <a:spcPct val="100000"/>
+              </a:lnSpc>
+            </a:pPr>
             <a:r>
               <a:rPr b="1" lang="en-US" sz="2800" spc="-1" strike="noStrike">
                 <a:solidFill>
@@ -11589,7 +12128,11 @@
             </a:endParaRPr>
           </a:p>
           <a:p>
-            <a:pPr algn="just"/>
+            <a:pPr algn="just">
+              <a:lnSpc>
+                <a:spcPct val="100000"/>
+              </a:lnSpc>
+            </a:pPr>
             <a:r>
               <a:rPr b="0" lang="en-US" sz="2800" spc="-1" strike="noStrike">
                 <a:solidFill>
@@ -11668,7 +12211,7 @@
         <p:spPr>
           <a:xfrm>
             <a:off x="581040" y="702000"/>
-            <a:ext cx="11028960" cy="529560"/>
+            <a:ext cx="11027520" cy="528120"/>
           </a:xfrm>
           <a:prstGeom prst="rect">
             <a:avLst/>
@@ -11680,7 +12223,7 @@
         </p:spPr>
         <p:txBody>
           <a:bodyPr lIns="90000" rIns="90000" tIns="45000" bIns="45000" anchor="b">
-            <a:normAutofit fontScale="68333"/>
+            <a:normAutofit fontScale="75000" lnSpcReduction="10000"/>
           </a:bodyPr>
           <a:p>
             <a:pPr indent="0" defTabSz="457200">
@@ -11713,22 +12256,28 @@
       <p:sp>
         <p:nvSpPr>
           <p:cNvPr id="142" name="PlaceHolder 3"/>
-          <p:cNvSpPr txBox="1"/>
+          <p:cNvSpPr/>
           <p:nvPr/>
         </p:nvSpPr>
         <p:spPr>
           <a:xfrm>
             <a:off x="2704320" y="1351440"/>
-            <a:ext cx="7902000" cy="4672440"/>
-          </a:xfrm>
-          <a:prstGeom prst="rect">
-            <a:avLst/>
-          </a:prstGeom>
-          <a:noFill/>
-          <a:ln w="0">
-            <a:noFill/>
-          </a:ln>
-        </p:spPr>
+            <a:ext cx="7900560" cy="4671000"/>
+          </a:xfrm>
+          <a:prstGeom prst="rect">
+            <a:avLst/>
+          </a:prstGeom>
+          <a:noFill/>
+          <a:ln w="0">
+            <a:noFill/>
+          </a:ln>
+        </p:spPr>
+        <p:style>
+          <a:lnRef idx="0"/>
+          <a:fillRef idx="0"/>
+          <a:effectRef idx="0"/>
+          <a:fontRef idx="minor"/>
+        </p:style>
         <p:txBody>
           <a:bodyPr lIns="90000" rIns="90000" tIns="45000" bIns="45000" anchor="ctr">
             <a:noAutofit/>
@@ -11930,7 +12479,7 @@
         <p:spPr>
           <a:xfrm>
             <a:off x="581040" y="702000"/>
-            <a:ext cx="11028960" cy="529560"/>
+            <a:ext cx="11027520" cy="528120"/>
           </a:xfrm>
           <a:prstGeom prst="rect">
             <a:avLst/>
@@ -11985,7 +12534,7 @@
         <p:spPr>
           <a:xfrm>
             <a:off x="2734560" y="1371600"/>
-            <a:ext cx="6363720" cy="4672440"/>
+            <a:ext cx="6362280" cy="4671000"/>
           </a:xfrm>
           <a:prstGeom prst="rect">
             <a:avLst/>
@@ -12011,6 +12560,9 @@
                 <a:spcPts val="601"/>
               </a:spcAft>
               <a:buNone/>
+              <a:tabLst>
+                <a:tab algn="l" pos="0"/>
+              </a:tabLst>
             </a:pPr>
             <a:endParaRPr b="0" lang="en-IN" sz="2800" spc="-1" strike="noStrike">
               <a:solidFill>
@@ -12036,6 +12588,9 @@
               <a:buSzPct val="92000"/>
               <a:buFont typeface="Wingdings 2" charset="2"/>
               <a:buChar char=""/>
+              <a:tabLst>
+                <a:tab algn="l" pos="0"/>
+              </a:tabLst>
             </a:pPr>
             <a:r>
               <a:rPr b="1" lang="en-US" sz="2800" spc="-1" strike="noStrike">
@@ -12074,6 +12629,9 @@
               <a:buSzPct val="92000"/>
               <a:buFont typeface="Wingdings 2" charset="2"/>
               <a:buChar char=""/>
+              <a:tabLst>
+                <a:tab algn="l" pos="0"/>
+              </a:tabLst>
             </a:pPr>
             <a:r>
               <a:rPr b="1" lang="en-US" sz="2800" spc="-1" strike="noStrike">
@@ -12112,6 +12670,9 @@
               <a:buSzPct val="92000"/>
               <a:buFont typeface="Wingdings 2" charset="2"/>
               <a:buChar char=""/>
+              <a:tabLst>
+                <a:tab algn="l" pos="0"/>
+              </a:tabLst>
             </a:pPr>
             <a:r>
               <a:rPr b="1" lang="en-US" sz="2800" spc="-1" strike="noStrike">
@@ -12150,6 +12711,9 @@
               <a:buSzPct val="92000"/>
               <a:buFont typeface="Wingdings 2" charset="2"/>
               <a:buChar char=""/>
+              <a:tabLst>
+                <a:tab algn="l" pos="0"/>
+              </a:tabLst>
             </a:pPr>
             <a:r>
               <a:rPr b="1" lang="en-US" sz="2800" spc="-1" strike="noStrike">
@@ -12216,7 +12780,7 @@
         <p:spPr>
           <a:xfrm>
             <a:off x="581040" y="771840"/>
-            <a:ext cx="11028960" cy="529560"/>
+            <a:ext cx="11027520" cy="528120"/>
           </a:xfrm>
           <a:prstGeom prst="rect">
             <a:avLst/>
@@ -12262,22 +12826,28 @@
       <p:sp>
         <p:nvSpPr>
           <p:cNvPr id="146" name="PlaceHolder 4"/>
-          <p:cNvSpPr txBox="1"/>
+          <p:cNvSpPr/>
           <p:nvPr/>
         </p:nvSpPr>
         <p:spPr>
           <a:xfrm>
             <a:off x="188640" y="1726200"/>
-            <a:ext cx="12025800" cy="4169160"/>
-          </a:xfrm>
-          <a:prstGeom prst="rect">
-            <a:avLst/>
-          </a:prstGeom>
-          <a:noFill/>
-          <a:ln w="0">
-            <a:noFill/>
-          </a:ln>
-        </p:spPr>
+            <a:ext cx="12024360" cy="4167720"/>
+          </a:xfrm>
+          <a:prstGeom prst="rect">
+            <a:avLst/>
+          </a:prstGeom>
+          <a:noFill/>
+          <a:ln w="0">
+            <a:noFill/>
+          </a:ln>
+        </p:spPr>
+        <p:style>
+          <a:lnRef idx="0"/>
+          <a:fillRef idx="0"/>
+          <a:effectRef idx="0"/>
+          <a:fontRef idx="minor"/>
+        </p:style>
         <p:txBody>
           <a:bodyPr lIns="90000" rIns="90000" tIns="45000" bIns="45000" anchor="ctr">
             <a:noAutofit/>
@@ -12668,7 +13238,7 @@
         <p:spPr>
           <a:xfrm>
             <a:off x="581040" y="702000"/>
-            <a:ext cx="11028960" cy="529560"/>
+            <a:ext cx="11027520" cy="528120"/>
           </a:xfrm>
           <a:prstGeom prst="rect">
             <a:avLst/>
@@ -12723,7 +13293,7 @@
         <p:spPr>
           <a:xfrm>
             <a:off x="581040" y="1302120"/>
-            <a:ext cx="11028960" cy="4672440"/>
+            <a:ext cx="11027520" cy="4671000"/>
           </a:xfrm>
           <a:prstGeom prst="rect">
             <a:avLst/>
@@ -12804,7 +13374,7 @@
                 <a:latin typeface="Calibri"/>
                 <a:ea typeface="Franklin Gothic Book"/>
               </a:rPr>
-              <a:t>Senior Citizens &amp; First-Time Internet Users</a:t>
+              <a:t>Senior Citizens &amp; First Time Internet Users</a:t>
             </a:r>
             <a:endParaRPr b="0" lang="en-IN" sz="2800" spc="-1" strike="noStrike">
               <a:solidFill>
@@ -12972,7 +13542,7 @@
         <p:spPr>
           <a:xfrm>
             <a:off x="581040" y="702000"/>
-            <a:ext cx="11028960" cy="529560"/>
+            <a:ext cx="11027520" cy="528120"/>
           </a:xfrm>
           <a:prstGeom prst="rect">
             <a:avLst/>
@@ -13072,7 +13642,7 @@
         <p:spPr>
           <a:xfrm>
             <a:off x="1181160" y="1343160"/>
-            <a:ext cx="9829800" cy="4817520"/>
+            <a:ext cx="9828360" cy="4816080"/>
           </a:xfrm>
           <a:prstGeom prst="rect">
             <a:avLst/>
@@ -13125,7 +13695,7 @@
         <p:spPr>
           <a:xfrm>
             <a:off x="581040" y="702000"/>
-            <a:ext cx="11028960" cy="529560"/>
+            <a:ext cx="11027520" cy="528120"/>
           </a:xfrm>
           <a:prstGeom prst="rect">
             <a:avLst/>
@@ -13234,7 +13804,7 @@
         <p:spPr>
           <a:xfrm>
             <a:off x="781200" y="1400400"/>
-            <a:ext cx="10090080" cy="4654800"/>
+            <a:ext cx="10088640" cy="4653360"/>
           </a:xfrm>
           <a:prstGeom prst="rect">
             <a:avLst/>
